--- a/slide.pptx
+++ b/slide.pptx
@@ -112,6 +112,11 @@
       </a:defRPr>
     </a:lvl9pPr>
   </p:defaultTextStyle>
+  <p:extLst>
+    <p:ext uri="{EFAFB233-063F-42B5-8137-9DF3F51BA10A}">
+      <p15:sldGuideLst xmlns:p15="http://schemas.microsoft.com/office/powerpoint/2012/main"/>
+    </p:ext>
+  </p:extLst>
 </p:presentation>
 </file>
 
@@ -157,10 +162,9 @@
           </a:lstStyle>
           <a:p>
             <a:r>
-              <a:rPr lang="en-US" smtClean="0"/>
+              <a:rPr lang="en-US"/>
               <a:t>Click to edit Master title style</a:t>
             </a:r>
-            <a:endParaRPr lang="en-US"/>
           </a:p>
         </p:txBody>
       </p:sp>
@@ -222,10 +226,9 @@
           </a:lstStyle>
           <a:p>
             <a:r>
-              <a:rPr lang="en-US" smtClean="0"/>
+              <a:rPr lang="en-US"/>
               <a:t>Click to edit Master subtitle style</a:t>
             </a:r>
-            <a:endParaRPr lang="en-US"/>
           </a:p>
         </p:txBody>
       </p:sp>
@@ -246,7 +249,7 @@
           <a:p>
             <a:fld id="{232B4358-11C5-4D5D-A2A0-D586D927CFA1}" type="datetimeFigureOut">
               <a:rPr lang="en-US" smtClean="0"/>
-              <a:t>1/12/2021</a:t>
+              <a:t>1/15/2021</a:t>
             </a:fld>
             <a:endParaRPr lang="en-US"/>
           </a:p>
@@ -340,10 +343,9 @@
           <a:lstStyle/>
           <a:p>
             <a:r>
-              <a:rPr lang="en-US" smtClean="0"/>
+              <a:rPr lang="en-US"/>
               <a:t>Click to edit Master title style</a:t>
             </a:r>
-            <a:endParaRPr lang="en-US"/>
           </a:p>
         </p:txBody>
       </p:sp>
@@ -364,38 +366,37 @@
           <a:p>
             <a:pPr lvl="0"/>
             <a:r>
-              <a:rPr lang="en-US" smtClean="0"/>
+              <a:rPr lang="en-US"/>
               <a:t>Edit Master text styles</a:t>
             </a:r>
           </a:p>
           <a:p>
             <a:pPr lvl="1"/>
             <a:r>
-              <a:rPr lang="en-US" smtClean="0"/>
+              <a:rPr lang="en-US"/>
               <a:t>Second level</a:t>
             </a:r>
           </a:p>
           <a:p>
             <a:pPr lvl="2"/>
             <a:r>
-              <a:rPr lang="en-US" smtClean="0"/>
+              <a:rPr lang="en-US"/>
               <a:t>Third level</a:t>
             </a:r>
           </a:p>
           <a:p>
             <a:pPr lvl="3"/>
             <a:r>
-              <a:rPr lang="en-US" smtClean="0"/>
+              <a:rPr lang="en-US"/>
               <a:t>Fourth level</a:t>
             </a:r>
           </a:p>
           <a:p>
             <a:pPr lvl="4"/>
             <a:r>
-              <a:rPr lang="en-US" smtClean="0"/>
+              <a:rPr lang="en-US"/>
               <a:t>Fifth level</a:t>
             </a:r>
-            <a:endParaRPr lang="en-US"/>
           </a:p>
         </p:txBody>
       </p:sp>
@@ -416,7 +417,7 @@
           <a:p>
             <a:fld id="{232B4358-11C5-4D5D-A2A0-D586D927CFA1}" type="datetimeFigureOut">
               <a:rPr lang="en-US" smtClean="0"/>
-              <a:t>1/12/2021</a:t>
+              <a:t>1/15/2021</a:t>
             </a:fld>
             <a:endParaRPr lang="en-US"/>
           </a:p>
@@ -515,10 +516,9 @@
           <a:lstStyle/>
           <a:p>
             <a:r>
-              <a:rPr lang="en-US" smtClean="0"/>
+              <a:rPr lang="en-US"/>
               <a:t>Click to edit Master title style</a:t>
             </a:r>
-            <a:endParaRPr lang="en-US"/>
           </a:p>
         </p:txBody>
       </p:sp>
@@ -544,38 +544,37 @@
           <a:p>
             <a:pPr lvl="0"/>
             <a:r>
-              <a:rPr lang="en-US" smtClean="0"/>
+              <a:rPr lang="en-US"/>
               <a:t>Edit Master text styles</a:t>
             </a:r>
           </a:p>
           <a:p>
             <a:pPr lvl="1"/>
             <a:r>
-              <a:rPr lang="en-US" smtClean="0"/>
+              <a:rPr lang="en-US"/>
               <a:t>Second level</a:t>
             </a:r>
           </a:p>
           <a:p>
             <a:pPr lvl="2"/>
             <a:r>
-              <a:rPr lang="en-US" smtClean="0"/>
+              <a:rPr lang="en-US"/>
               <a:t>Third level</a:t>
             </a:r>
           </a:p>
           <a:p>
             <a:pPr lvl="3"/>
             <a:r>
-              <a:rPr lang="en-US" smtClean="0"/>
+              <a:rPr lang="en-US"/>
               <a:t>Fourth level</a:t>
             </a:r>
           </a:p>
           <a:p>
             <a:pPr lvl="4"/>
             <a:r>
-              <a:rPr lang="en-US" smtClean="0"/>
+              <a:rPr lang="en-US"/>
               <a:t>Fifth level</a:t>
             </a:r>
-            <a:endParaRPr lang="en-US"/>
           </a:p>
         </p:txBody>
       </p:sp>
@@ -596,7 +595,7 @@
           <a:p>
             <a:fld id="{232B4358-11C5-4D5D-A2A0-D586D927CFA1}" type="datetimeFigureOut">
               <a:rPr lang="en-US" smtClean="0"/>
-              <a:t>1/12/2021</a:t>
+              <a:t>1/15/2021</a:t>
             </a:fld>
             <a:endParaRPr lang="en-US"/>
           </a:p>
@@ -690,10 +689,9 @@
           <a:lstStyle/>
           <a:p>
             <a:r>
-              <a:rPr lang="en-US" smtClean="0"/>
+              <a:rPr lang="en-US"/>
               <a:t>Click to edit Master title style</a:t>
             </a:r>
-            <a:endParaRPr lang="en-US"/>
           </a:p>
         </p:txBody>
       </p:sp>
@@ -714,38 +712,37 @@
           <a:p>
             <a:pPr lvl="0"/>
             <a:r>
-              <a:rPr lang="en-US" smtClean="0"/>
+              <a:rPr lang="en-US"/>
               <a:t>Edit Master text styles</a:t>
             </a:r>
           </a:p>
           <a:p>
             <a:pPr lvl="1"/>
             <a:r>
-              <a:rPr lang="en-US" smtClean="0"/>
+              <a:rPr lang="en-US"/>
               <a:t>Second level</a:t>
             </a:r>
           </a:p>
           <a:p>
             <a:pPr lvl="2"/>
             <a:r>
-              <a:rPr lang="en-US" smtClean="0"/>
+              <a:rPr lang="en-US"/>
               <a:t>Third level</a:t>
             </a:r>
           </a:p>
           <a:p>
             <a:pPr lvl="3"/>
             <a:r>
-              <a:rPr lang="en-US" smtClean="0"/>
+              <a:rPr lang="en-US"/>
               <a:t>Fourth level</a:t>
             </a:r>
           </a:p>
           <a:p>
             <a:pPr lvl="4"/>
             <a:r>
-              <a:rPr lang="en-US" smtClean="0"/>
+              <a:rPr lang="en-US"/>
               <a:t>Fifth level</a:t>
             </a:r>
-            <a:endParaRPr lang="en-US"/>
           </a:p>
         </p:txBody>
       </p:sp>
@@ -766,7 +763,7 @@
           <a:p>
             <a:fld id="{232B4358-11C5-4D5D-A2A0-D586D927CFA1}" type="datetimeFigureOut">
               <a:rPr lang="en-US" smtClean="0"/>
-              <a:t>1/12/2021</a:t>
+              <a:t>1/15/2021</a:t>
             </a:fld>
             <a:endParaRPr lang="en-US"/>
           </a:p>
@@ -869,10 +866,9 @@
           </a:lstStyle>
           <a:p>
             <a:r>
-              <a:rPr lang="en-US" smtClean="0"/>
+              <a:rPr lang="en-US"/>
               <a:t>Click to edit Master title style</a:t>
             </a:r>
-            <a:endParaRPr lang="en-US"/>
           </a:p>
         </p:txBody>
       </p:sp>
@@ -989,7 +985,7 @@
           <a:p>
             <a:pPr lvl="0"/>
             <a:r>
-              <a:rPr lang="en-US" smtClean="0"/>
+              <a:rPr lang="en-US"/>
               <a:t>Edit Master text styles</a:t>
             </a:r>
           </a:p>
@@ -1012,7 +1008,7 @@
           <a:p>
             <a:fld id="{232B4358-11C5-4D5D-A2A0-D586D927CFA1}" type="datetimeFigureOut">
               <a:rPr lang="en-US" smtClean="0"/>
-              <a:t>1/12/2021</a:t>
+              <a:t>1/15/2021</a:t>
             </a:fld>
             <a:endParaRPr lang="en-US"/>
           </a:p>
@@ -1106,10 +1102,9 @@
           <a:lstStyle/>
           <a:p>
             <a:r>
-              <a:rPr lang="en-US" smtClean="0"/>
+              <a:rPr lang="en-US"/>
               <a:t>Click to edit Master title style</a:t>
             </a:r>
-            <a:endParaRPr lang="en-US"/>
           </a:p>
         </p:txBody>
       </p:sp>
@@ -1135,38 +1130,37 @@
           <a:p>
             <a:pPr lvl="0"/>
             <a:r>
-              <a:rPr lang="en-US" smtClean="0"/>
+              <a:rPr lang="en-US"/>
               <a:t>Edit Master text styles</a:t>
             </a:r>
           </a:p>
           <a:p>
             <a:pPr lvl="1"/>
             <a:r>
-              <a:rPr lang="en-US" smtClean="0"/>
+              <a:rPr lang="en-US"/>
               <a:t>Second level</a:t>
             </a:r>
           </a:p>
           <a:p>
             <a:pPr lvl="2"/>
             <a:r>
-              <a:rPr lang="en-US" smtClean="0"/>
+              <a:rPr lang="en-US"/>
               <a:t>Third level</a:t>
             </a:r>
           </a:p>
           <a:p>
             <a:pPr lvl="3"/>
             <a:r>
-              <a:rPr lang="en-US" smtClean="0"/>
+              <a:rPr lang="en-US"/>
               <a:t>Fourth level</a:t>
             </a:r>
           </a:p>
           <a:p>
             <a:pPr lvl="4"/>
             <a:r>
-              <a:rPr lang="en-US" smtClean="0"/>
+              <a:rPr lang="en-US"/>
               <a:t>Fifth level</a:t>
             </a:r>
-            <a:endParaRPr lang="en-US"/>
           </a:p>
         </p:txBody>
       </p:sp>
@@ -1192,38 +1186,37 @@
           <a:p>
             <a:pPr lvl="0"/>
             <a:r>
-              <a:rPr lang="en-US" smtClean="0"/>
+              <a:rPr lang="en-US"/>
               <a:t>Edit Master text styles</a:t>
             </a:r>
           </a:p>
           <a:p>
             <a:pPr lvl="1"/>
             <a:r>
-              <a:rPr lang="en-US" smtClean="0"/>
+              <a:rPr lang="en-US"/>
               <a:t>Second level</a:t>
             </a:r>
           </a:p>
           <a:p>
             <a:pPr lvl="2"/>
             <a:r>
-              <a:rPr lang="en-US" smtClean="0"/>
+              <a:rPr lang="en-US"/>
               <a:t>Third level</a:t>
             </a:r>
           </a:p>
           <a:p>
             <a:pPr lvl="3"/>
             <a:r>
-              <a:rPr lang="en-US" smtClean="0"/>
+              <a:rPr lang="en-US"/>
               <a:t>Fourth level</a:t>
             </a:r>
           </a:p>
           <a:p>
             <a:pPr lvl="4"/>
             <a:r>
-              <a:rPr lang="en-US" smtClean="0"/>
+              <a:rPr lang="en-US"/>
               <a:t>Fifth level</a:t>
             </a:r>
-            <a:endParaRPr lang="en-US"/>
           </a:p>
         </p:txBody>
       </p:sp>
@@ -1244,7 +1237,7 @@
           <a:p>
             <a:fld id="{232B4358-11C5-4D5D-A2A0-D586D927CFA1}" type="datetimeFigureOut">
               <a:rPr lang="en-US" smtClean="0"/>
-              <a:t>1/12/2021</a:t>
+              <a:t>1/15/2021</a:t>
             </a:fld>
             <a:endParaRPr lang="en-US"/>
           </a:p>
@@ -1343,10 +1336,9 @@
           <a:lstStyle/>
           <a:p>
             <a:r>
-              <a:rPr lang="en-US" smtClean="0"/>
+              <a:rPr lang="en-US"/>
               <a:t>Click to edit Master title style</a:t>
             </a:r>
-            <a:endParaRPr lang="en-US"/>
           </a:p>
         </p:txBody>
       </p:sp>
@@ -1409,7 +1401,7 @@
           <a:p>
             <a:pPr lvl="0"/>
             <a:r>
-              <a:rPr lang="en-US" smtClean="0"/>
+              <a:rPr lang="en-US"/>
               <a:t>Edit Master text styles</a:t>
             </a:r>
           </a:p>
@@ -1437,38 +1429,37 @@
           <a:p>
             <a:pPr lvl="0"/>
             <a:r>
-              <a:rPr lang="en-US" smtClean="0"/>
+              <a:rPr lang="en-US"/>
               <a:t>Edit Master text styles</a:t>
             </a:r>
           </a:p>
           <a:p>
             <a:pPr lvl="1"/>
             <a:r>
-              <a:rPr lang="en-US" smtClean="0"/>
+              <a:rPr lang="en-US"/>
               <a:t>Second level</a:t>
             </a:r>
           </a:p>
           <a:p>
             <a:pPr lvl="2"/>
             <a:r>
-              <a:rPr lang="en-US" smtClean="0"/>
+              <a:rPr lang="en-US"/>
               <a:t>Third level</a:t>
             </a:r>
           </a:p>
           <a:p>
             <a:pPr lvl="3"/>
             <a:r>
-              <a:rPr lang="en-US" smtClean="0"/>
+              <a:rPr lang="en-US"/>
               <a:t>Fourth level</a:t>
             </a:r>
           </a:p>
           <a:p>
             <a:pPr lvl="4"/>
             <a:r>
-              <a:rPr lang="en-US" smtClean="0"/>
+              <a:rPr lang="en-US"/>
               <a:t>Fifth level</a:t>
             </a:r>
-            <a:endParaRPr lang="en-US"/>
           </a:p>
         </p:txBody>
       </p:sp>
@@ -1531,7 +1522,7 @@
           <a:p>
             <a:pPr lvl="0"/>
             <a:r>
-              <a:rPr lang="en-US" smtClean="0"/>
+              <a:rPr lang="en-US"/>
               <a:t>Edit Master text styles</a:t>
             </a:r>
           </a:p>
@@ -1559,38 +1550,37 @@
           <a:p>
             <a:pPr lvl="0"/>
             <a:r>
-              <a:rPr lang="en-US" smtClean="0"/>
+              <a:rPr lang="en-US"/>
               <a:t>Edit Master text styles</a:t>
             </a:r>
           </a:p>
           <a:p>
             <a:pPr lvl="1"/>
             <a:r>
-              <a:rPr lang="en-US" smtClean="0"/>
+              <a:rPr lang="en-US"/>
               <a:t>Second level</a:t>
             </a:r>
           </a:p>
           <a:p>
             <a:pPr lvl="2"/>
             <a:r>
-              <a:rPr lang="en-US" smtClean="0"/>
+              <a:rPr lang="en-US"/>
               <a:t>Third level</a:t>
             </a:r>
           </a:p>
           <a:p>
             <a:pPr lvl="3"/>
             <a:r>
-              <a:rPr lang="en-US" smtClean="0"/>
+              <a:rPr lang="en-US"/>
               <a:t>Fourth level</a:t>
             </a:r>
           </a:p>
           <a:p>
             <a:pPr lvl="4"/>
             <a:r>
-              <a:rPr lang="en-US" smtClean="0"/>
+              <a:rPr lang="en-US"/>
               <a:t>Fifth level</a:t>
             </a:r>
-            <a:endParaRPr lang="en-US"/>
           </a:p>
         </p:txBody>
       </p:sp>
@@ -1611,7 +1601,7 @@
           <a:p>
             <a:fld id="{232B4358-11C5-4D5D-A2A0-D586D927CFA1}" type="datetimeFigureOut">
               <a:rPr lang="en-US" smtClean="0"/>
-              <a:t>1/12/2021</a:t>
+              <a:t>1/15/2021</a:t>
             </a:fld>
             <a:endParaRPr lang="en-US"/>
           </a:p>
@@ -1705,10 +1695,9 @@
           <a:lstStyle/>
           <a:p>
             <a:r>
-              <a:rPr lang="en-US" smtClean="0"/>
+              <a:rPr lang="en-US"/>
               <a:t>Click to edit Master title style</a:t>
             </a:r>
-            <a:endParaRPr lang="en-US"/>
           </a:p>
         </p:txBody>
       </p:sp>
@@ -1729,7 +1718,7 @@
           <a:p>
             <a:fld id="{232B4358-11C5-4D5D-A2A0-D586D927CFA1}" type="datetimeFigureOut">
               <a:rPr lang="en-US" smtClean="0"/>
-              <a:t>1/12/2021</a:t>
+              <a:t>1/15/2021</a:t>
             </a:fld>
             <a:endParaRPr lang="en-US"/>
           </a:p>
@@ -1824,7 +1813,7 @@
           <a:p>
             <a:fld id="{232B4358-11C5-4D5D-A2A0-D586D927CFA1}" type="datetimeFigureOut">
               <a:rPr lang="en-US" smtClean="0"/>
-              <a:t>1/12/2021</a:t>
+              <a:t>1/15/2021</a:t>
             </a:fld>
             <a:endParaRPr lang="en-US"/>
           </a:p>
@@ -1927,10 +1916,9 @@
           </a:lstStyle>
           <a:p>
             <a:r>
-              <a:rPr lang="en-US" smtClean="0"/>
+              <a:rPr lang="en-US"/>
               <a:t>Click to edit Master title style</a:t>
             </a:r>
-            <a:endParaRPr lang="en-US"/>
           </a:p>
         </p:txBody>
       </p:sp>
@@ -1984,38 +1972,37 @@
           <a:p>
             <a:pPr lvl="0"/>
             <a:r>
-              <a:rPr lang="en-US" smtClean="0"/>
+              <a:rPr lang="en-US"/>
               <a:t>Edit Master text styles</a:t>
             </a:r>
           </a:p>
           <a:p>
             <a:pPr lvl="1"/>
             <a:r>
-              <a:rPr lang="en-US" smtClean="0"/>
+              <a:rPr lang="en-US"/>
               <a:t>Second level</a:t>
             </a:r>
           </a:p>
           <a:p>
             <a:pPr lvl="2"/>
             <a:r>
-              <a:rPr lang="en-US" smtClean="0"/>
+              <a:rPr lang="en-US"/>
               <a:t>Third level</a:t>
             </a:r>
           </a:p>
           <a:p>
             <a:pPr lvl="3"/>
             <a:r>
-              <a:rPr lang="en-US" smtClean="0"/>
+              <a:rPr lang="en-US"/>
               <a:t>Fourth level</a:t>
             </a:r>
           </a:p>
           <a:p>
             <a:pPr lvl="4"/>
             <a:r>
-              <a:rPr lang="en-US" smtClean="0"/>
+              <a:rPr lang="en-US"/>
               <a:t>Fifth level</a:t>
             </a:r>
-            <a:endParaRPr lang="en-US"/>
           </a:p>
         </p:txBody>
       </p:sp>
@@ -2078,7 +2065,7 @@
           <a:p>
             <a:pPr lvl="0"/>
             <a:r>
-              <a:rPr lang="en-US" smtClean="0"/>
+              <a:rPr lang="en-US"/>
               <a:t>Edit Master text styles</a:t>
             </a:r>
           </a:p>
@@ -2101,7 +2088,7 @@
           <a:p>
             <a:fld id="{232B4358-11C5-4D5D-A2A0-D586D927CFA1}" type="datetimeFigureOut">
               <a:rPr lang="en-US" smtClean="0"/>
-              <a:t>1/12/2021</a:t>
+              <a:t>1/15/2021</a:t>
             </a:fld>
             <a:endParaRPr lang="en-US"/>
           </a:p>
@@ -2204,10 +2191,9 @@
           </a:lstStyle>
           <a:p>
             <a:r>
-              <a:rPr lang="en-US" smtClean="0"/>
+              <a:rPr lang="en-US"/>
               <a:t>Click to edit Master title style</a:t>
             </a:r>
-            <a:endParaRPr lang="en-US"/>
           </a:p>
         </p:txBody>
       </p:sp>
@@ -2331,7 +2317,7 @@
           <a:p>
             <a:pPr lvl="0"/>
             <a:r>
-              <a:rPr lang="en-US" smtClean="0"/>
+              <a:rPr lang="en-US"/>
               <a:t>Edit Master text styles</a:t>
             </a:r>
           </a:p>
@@ -2354,7 +2340,7 @@
           <a:p>
             <a:fld id="{232B4358-11C5-4D5D-A2A0-D586D927CFA1}" type="datetimeFigureOut">
               <a:rPr lang="en-US" smtClean="0"/>
-              <a:t>1/12/2021</a:t>
+              <a:t>1/15/2021</a:t>
             </a:fld>
             <a:endParaRPr lang="en-US"/>
           </a:p>
@@ -2463,10 +2449,9 @@
           <a:lstStyle/>
           <a:p>
             <a:r>
-              <a:rPr lang="en-US" smtClean="0"/>
+              <a:rPr lang="en-US"/>
               <a:t>Click to edit Master title style</a:t>
             </a:r>
-            <a:endParaRPr lang="en-US"/>
           </a:p>
         </p:txBody>
       </p:sp>
@@ -2497,38 +2482,37 @@
           <a:p>
             <a:pPr lvl="0"/>
             <a:r>
-              <a:rPr lang="en-US" smtClean="0"/>
+              <a:rPr lang="en-US"/>
               <a:t>Edit Master text styles</a:t>
             </a:r>
           </a:p>
           <a:p>
             <a:pPr lvl="1"/>
             <a:r>
-              <a:rPr lang="en-US" smtClean="0"/>
+              <a:rPr lang="en-US"/>
               <a:t>Second level</a:t>
             </a:r>
           </a:p>
           <a:p>
             <a:pPr lvl="2"/>
             <a:r>
-              <a:rPr lang="en-US" smtClean="0"/>
+              <a:rPr lang="en-US"/>
               <a:t>Third level</a:t>
             </a:r>
           </a:p>
           <a:p>
             <a:pPr lvl="3"/>
             <a:r>
-              <a:rPr lang="en-US" smtClean="0"/>
+              <a:rPr lang="en-US"/>
               <a:t>Fourth level</a:t>
             </a:r>
           </a:p>
           <a:p>
             <a:pPr lvl="4"/>
             <a:r>
-              <a:rPr lang="en-US" smtClean="0"/>
+              <a:rPr lang="en-US"/>
               <a:t>Fifth level</a:t>
             </a:r>
-            <a:endParaRPr lang="en-US"/>
           </a:p>
         </p:txBody>
       </p:sp>
@@ -2567,7 +2551,7 @@
           <a:p>
             <a:fld id="{232B4358-11C5-4D5D-A2A0-D586D927CFA1}" type="datetimeFigureOut">
               <a:rPr lang="en-US" smtClean="0"/>
-              <a:t>1/12/2021</a:t>
+              <a:t>1/15/2021</a:t>
             </a:fld>
             <a:endParaRPr lang="en-US"/>
           </a:p>
@@ -2990,77 +2974,77 @@
           <a:lstStyle/>
           <a:p>
             <a:r>
-              <a:rPr lang="en-US" dirty="0" err="1" smtClean="0">
+              <a:rPr lang="en-US" dirty="0" err="1">
                 <a:latin typeface="Times New Roman" panose="02020603050405020304" pitchFamily="18" charset="0"/>
                 <a:cs typeface="Times New Roman" panose="02020603050405020304" pitchFamily="18" charset="0"/>
               </a:rPr>
               <a:t>Ngày</a:t>
             </a:r>
             <a:r>
-              <a:rPr lang="en-US" dirty="0" smtClean="0">
-                <a:latin typeface="Times New Roman" panose="02020603050405020304" pitchFamily="18" charset="0"/>
-                <a:cs typeface="Times New Roman" panose="02020603050405020304" pitchFamily="18" charset="0"/>
-              </a:rPr>
-              <a:t> </a:t>
-            </a:r>
-            <a:r>
-              <a:rPr lang="en-US" dirty="0" err="1" smtClean="0">
+              <a:rPr lang="en-US" dirty="0">
+                <a:latin typeface="Times New Roman" panose="02020603050405020304" pitchFamily="18" charset="0"/>
+                <a:cs typeface="Times New Roman" panose="02020603050405020304" pitchFamily="18" charset="0"/>
+              </a:rPr>
+              <a:t> </a:t>
+            </a:r>
+            <a:r>
+              <a:rPr lang="en-US" dirty="0" err="1">
                 <a:latin typeface="Times New Roman" panose="02020603050405020304" pitchFamily="18" charset="0"/>
                 <a:cs typeface="Times New Roman" panose="02020603050405020304" pitchFamily="18" charset="0"/>
               </a:rPr>
               <a:t>mai</a:t>
             </a:r>
             <a:r>
-              <a:rPr lang="en-US" dirty="0" smtClean="0">
-                <a:latin typeface="Times New Roman" panose="02020603050405020304" pitchFamily="18" charset="0"/>
-                <a:cs typeface="Times New Roman" panose="02020603050405020304" pitchFamily="18" charset="0"/>
-              </a:rPr>
-              <a:t> </a:t>
-            </a:r>
-            <a:r>
-              <a:rPr lang="en-US" dirty="0" err="1" smtClean="0">
+              <a:rPr lang="en-US" dirty="0">
+                <a:latin typeface="Times New Roman" panose="02020603050405020304" pitchFamily="18" charset="0"/>
+                <a:cs typeface="Times New Roman" panose="02020603050405020304" pitchFamily="18" charset="0"/>
+              </a:rPr>
+              <a:t> </a:t>
+            </a:r>
+            <a:r>
+              <a:rPr lang="en-US" dirty="0" err="1">
                 <a:latin typeface="Times New Roman" panose="02020603050405020304" pitchFamily="18" charset="0"/>
                 <a:cs typeface="Times New Roman" panose="02020603050405020304" pitchFamily="18" charset="0"/>
               </a:rPr>
               <a:t>có</a:t>
             </a:r>
             <a:r>
-              <a:rPr lang="en-US" dirty="0" smtClean="0">
-                <a:latin typeface="Times New Roman" panose="02020603050405020304" pitchFamily="18" charset="0"/>
-                <a:cs typeface="Times New Roman" panose="02020603050405020304" pitchFamily="18" charset="0"/>
-              </a:rPr>
-              <a:t> </a:t>
-            </a:r>
-            <a:r>
-              <a:rPr lang="en-US" dirty="0" err="1" smtClean="0">
+              <a:rPr lang="en-US" dirty="0">
+                <a:latin typeface="Times New Roman" panose="02020603050405020304" pitchFamily="18" charset="0"/>
+                <a:cs typeface="Times New Roman" panose="02020603050405020304" pitchFamily="18" charset="0"/>
+              </a:rPr>
+              <a:t> </a:t>
+            </a:r>
+            <a:r>
+              <a:rPr lang="en-US" dirty="0" err="1">
                 <a:latin typeface="Times New Roman" panose="02020603050405020304" pitchFamily="18" charset="0"/>
                 <a:cs typeface="Times New Roman" panose="02020603050405020304" pitchFamily="18" charset="0"/>
               </a:rPr>
               <a:t>mưa</a:t>
             </a:r>
             <a:r>
-              <a:rPr lang="en-US" dirty="0" smtClean="0">
+              <a:rPr lang="en-US" dirty="0">
                 <a:latin typeface="Times New Roman" panose="02020603050405020304" pitchFamily="18" charset="0"/>
                 <a:cs typeface="Times New Roman" panose="02020603050405020304" pitchFamily="18" charset="0"/>
               </a:rPr>
               <a:t> hay </a:t>
             </a:r>
             <a:r>
-              <a:rPr lang="en-US" dirty="0" err="1" smtClean="0">
+              <a:rPr lang="en-US" dirty="0" err="1">
                 <a:latin typeface="Times New Roman" panose="02020603050405020304" pitchFamily="18" charset="0"/>
                 <a:cs typeface="Times New Roman" panose="02020603050405020304" pitchFamily="18" charset="0"/>
               </a:rPr>
               <a:t>không</a:t>
             </a:r>
             <a:r>
-              <a:rPr lang="en-US" dirty="0" smtClean="0">
+              <a:rPr lang="en-US" dirty="0">
                 <a:latin typeface="Times New Roman" panose="02020603050405020304" pitchFamily="18" charset="0"/>
                 <a:cs typeface="Times New Roman" panose="02020603050405020304" pitchFamily="18" charset="0"/>
               </a:rPr>
               <a:t>?</a:t>
             </a:r>
             <a:br>
-              <a:rPr lang="en-US" dirty="0" smtClean="0">
+              <a:rPr lang="en-US" dirty="0">
                 <a:latin typeface="Times New Roman" panose="02020603050405020304" pitchFamily="18" charset="0"/>
                 <a:cs typeface="Times New Roman" panose="02020603050405020304" pitchFamily="18" charset="0"/>
               </a:rPr>
@@ -3088,142 +3072,138 @@
           <a:lstStyle/>
           <a:p>
             <a:r>
-              <a:rPr lang="en-US" dirty="0" smtClean="0">
+              <a:rPr lang="en-US" dirty="0">
                 <a:latin typeface="Times New Roman" panose="02020603050405020304" pitchFamily="18" charset="0"/>
                 <a:cs typeface="Times New Roman" panose="02020603050405020304" pitchFamily="18" charset="0"/>
               </a:rPr>
               <a:t>( </a:t>
             </a:r>
             <a:r>
-              <a:rPr lang="en-US" dirty="0" err="1" smtClean="0">
+              <a:rPr lang="en-US" dirty="0" err="1">
                 <a:latin typeface="Times New Roman" panose="02020603050405020304" pitchFamily="18" charset="0"/>
                 <a:cs typeface="Times New Roman" panose="02020603050405020304" pitchFamily="18" charset="0"/>
               </a:rPr>
               <a:t>Một</a:t>
             </a:r>
             <a:r>
-              <a:rPr lang="en-US" dirty="0" smtClean="0">
-                <a:latin typeface="Times New Roman" panose="02020603050405020304" pitchFamily="18" charset="0"/>
-                <a:cs typeface="Times New Roman" panose="02020603050405020304" pitchFamily="18" charset="0"/>
-              </a:rPr>
-              <a:t> </a:t>
-            </a:r>
-            <a:r>
-              <a:rPr lang="en-US" dirty="0" err="1" smtClean="0">
+              <a:rPr lang="en-US" dirty="0">
+                <a:latin typeface="Times New Roman" panose="02020603050405020304" pitchFamily="18" charset="0"/>
+                <a:cs typeface="Times New Roman" panose="02020603050405020304" pitchFamily="18" charset="0"/>
+              </a:rPr>
+              <a:t> </a:t>
+            </a:r>
+            <a:r>
+              <a:rPr lang="en-US" dirty="0" err="1">
                 <a:latin typeface="Times New Roman" panose="02020603050405020304" pitchFamily="18" charset="0"/>
                 <a:cs typeface="Times New Roman" panose="02020603050405020304" pitchFamily="18" charset="0"/>
               </a:rPr>
               <a:t>ngày</a:t>
             </a:r>
             <a:r>
-              <a:rPr lang="en-US" dirty="0" smtClean="0">
-                <a:latin typeface="Times New Roman" panose="02020603050405020304" pitchFamily="18" charset="0"/>
-                <a:cs typeface="Times New Roman" panose="02020603050405020304" pitchFamily="18" charset="0"/>
-              </a:rPr>
-              <a:t> </a:t>
-            </a:r>
-            <a:r>
-              <a:rPr lang="en-US" dirty="0" err="1" smtClean="0">
+              <a:rPr lang="en-US" dirty="0">
+                <a:latin typeface="Times New Roman" panose="02020603050405020304" pitchFamily="18" charset="0"/>
+                <a:cs typeface="Times New Roman" panose="02020603050405020304" pitchFamily="18" charset="0"/>
+              </a:rPr>
+              <a:t> </a:t>
+            </a:r>
+            <a:r>
+              <a:rPr lang="en-US" dirty="0" err="1">
                 <a:latin typeface="Times New Roman" panose="02020603050405020304" pitchFamily="18" charset="0"/>
                 <a:cs typeface="Times New Roman" panose="02020603050405020304" pitchFamily="18" charset="0"/>
               </a:rPr>
               <a:t>mưa</a:t>
             </a:r>
             <a:r>
-              <a:rPr lang="en-US" dirty="0" smtClean="0">
-                <a:latin typeface="Times New Roman" panose="02020603050405020304" pitchFamily="18" charset="0"/>
-                <a:cs typeface="Times New Roman" panose="02020603050405020304" pitchFamily="18" charset="0"/>
-              </a:rPr>
-              <a:t> </a:t>
-            </a:r>
-            <a:r>
-              <a:rPr lang="en-US" dirty="0" err="1" smtClean="0">
+              <a:rPr lang="en-US" dirty="0">
+                <a:latin typeface="Times New Roman" panose="02020603050405020304" pitchFamily="18" charset="0"/>
+                <a:cs typeface="Times New Roman" panose="02020603050405020304" pitchFamily="18" charset="0"/>
+              </a:rPr>
+              <a:t> </a:t>
+            </a:r>
+            <a:r>
+              <a:rPr lang="en-US" dirty="0" err="1">
                 <a:latin typeface="Times New Roman" panose="02020603050405020304" pitchFamily="18" charset="0"/>
                 <a:cs typeface="Times New Roman" panose="02020603050405020304" pitchFamily="18" charset="0"/>
               </a:rPr>
               <a:t>được</a:t>
             </a:r>
             <a:r>
-              <a:rPr lang="en-US" dirty="0" smtClean="0">
-                <a:latin typeface="Times New Roman" panose="02020603050405020304" pitchFamily="18" charset="0"/>
-                <a:cs typeface="Times New Roman" panose="02020603050405020304" pitchFamily="18" charset="0"/>
-              </a:rPr>
-              <a:t> </a:t>
-            </a:r>
-            <a:r>
-              <a:rPr lang="en-US" dirty="0" err="1" smtClean="0">
+              <a:rPr lang="en-US" dirty="0">
+                <a:latin typeface="Times New Roman" panose="02020603050405020304" pitchFamily="18" charset="0"/>
+                <a:cs typeface="Times New Roman" panose="02020603050405020304" pitchFamily="18" charset="0"/>
+              </a:rPr>
+              <a:t> </a:t>
+            </a:r>
+            <a:r>
+              <a:rPr lang="en-US" dirty="0" err="1">
                 <a:latin typeface="Times New Roman" panose="02020603050405020304" pitchFamily="18" charset="0"/>
                 <a:cs typeface="Times New Roman" panose="02020603050405020304" pitchFamily="18" charset="0"/>
               </a:rPr>
               <a:t>tính</a:t>
             </a:r>
             <a:r>
-              <a:rPr lang="en-US" dirty="0" smtClean="0">
-                <a:latin typeface="Times New Roman" panose="02020603050405020304" pitchFamily="18" charset="0"/>
-                <a:cs typeface="Times New Roman" panose="02020603050405020304" pitchFamily="18" charset="0"/>
-              </a:rPr>
-              <a:t> </a:t>
-            </a:r>
-            <a:r>
-              <a:rPr lang="en-US" dirty="0" err="1" smtClean="0">
+              <a:rPr lang="en-US" dirty="0">
+                <a:latin typeface="Times New Roman" panose="02020603050405020304" pitchFamily="18" charset="0"/>
+                <a:cs typeface="Times New Roman" panose="02020603050405020304" pitchFamily="18" charset="0"/>
+              </a:rPr>
+              <a:t> </a:t>
+            </a:r>
+            <a:r>
+              <a:rPr lang="en-US" dirty="0" err="1">
                 <a:latin typeface="Times New Roman" panose="02020603050405020304" pitchFamily="18" charset="0"/>
                 <a:cs typeface="Times New Roman" panose="02020603050405020304" pitchFamily="18" charset="0"/>
               </a:rPr>
               <a:t>theo</a:t>
             </a:r>
             <a:r>
-              <a:rPr lang="en-US" dirty="0" smtClean="0">
-                <a:latin typeface="Times New Roman" panose="02020603050405020304" pitchFamily="18" charset="0"/>
-                <a:cs typeface="Times New Roman" panose="02020603050405020304" pitchFamily="18" charset="0"/>
-              </a:rPr>
-              <a:t> </a:t>
-            </a:r>
-            <a:r>
-              <a:rPr lang="en-US" dirty="0" err="1" smtClean="0">
+              <a:rPr lang="en-US" dirty="0">
+                <a:latin typeface="Times New Roman" panose="02020603050405020304" pitchFamily="18" charset="0"/>
+                <a:cs typeface="Times New Roman" panose="02020603050405020304" pitchFamily="18" charset="0"/>
+              </a:rPr>
+              <a:t> </a:t>
+            </a:r>
+            <a:r>
+              <a:rPr lang="en-US" dirty="0" err="1">
                 <a:latin typeface="Times New Roman" panose="02020603050405020304" pitchFamily="18" charset="0"/>
                 <a:cs typeface="Times New Roman" panose="02020603050405020304" pitchFamily="18" charset="0"/>
               </a:rPr>
               <a:t>công</a:t>
             </a:r>
             <a:r>
-              <a:rPr lang="en-US" dirty="0" smtClean="0">
-                <a:latin typeface="Times New Roman" panose="02020603050405020304" pitchFamily="18" charset="0"/>
-                <a:cs typeface="Times New Roman" panose="02020603050405020304" pitchFamily="18" charset="0"/>
-              </a:rPr>
-              <a:t> </a:t>
-            </a:r>
-            <a:r>
-              <a:rPr lang="en-US" dirty="0" err="1" smtClean="0">
+              <a:rPr lang="en-US" dirty="0">
+                <a:latin typeface="Times New Roman" panose="02020603050405020304" pitchFamily="18" charset="0"/>
+                <a:cs typeface="Times New Roman" panose="02020603050405020304" pitchFamily="18" charset="0"/>
+              </a:rPr>
+              <a:t> </a:t>
+            </a:r>
+            <a:r>
+              <a:rPr lang="en-US" dirty="0" err="1">
                 <a:latin typeface="Times New Roman" panose="02020603050405020304" pitchFamily="18" charset="0"/>
                 <a:cs typeface="Times New Roman" panose="02020603050405020304" pitchFamily="18" charset="0"/>
               </a:rPr>
               <a:t>thức</a:t>
             </a:r>
             <a:r>
-              <a:rPr lang="en-US" dirty="0" smtClean="0">
-                <a:latin typeface="Times New Roman" panose="02020603050405020304" pitchFamily="18" charset="0"/>
-                <a:cs typeface="Times New Roman" panose="02020603050405020304" pitchFamily="18" charset="0"/>
-              </a:rPr>
-              <a:t> </a:t>
-            </a:r>
-            <a:r>
-              <a:rPr lang="en-US" dirty="0" err="1" smtClean="0">
+              <a:rPr lang="en-US" dirty="0">
+                <a:latin typeface="Times New Roman" panose="02020603050405020304" pitchFamily="18" charset="0"/>
+                <a:cs typeface="Times New Roman" panose="02020603050405020304" pitchFamily="18" charset="0"/>
+              </a:rPr>
+              <a:t> </a:t>
+            </a:r>
+            <a:r>
+              <a:rPr lang="en-US" dirty="0" err="1">
                 <a:latin typeface="Times New Roman" panose="02020603050405020304" pitchFamily="18" charset="0"/>
                 <a:cs typeface="Times New Roman" panose="02020603050405020304" pitchFamily="18" charset="0"/>
               </a:rPr>
               <a:t>nào</a:t>
             </a:r>
             <a:r>
-              <a:rPr lang="en-US" dirty="0" smtClean="0">
+              <a:rPr lang="en-US" dirty="0">
                 <a:latin typeface="Times New Roman" panose="02020603050405020304" pitchFamily="18" charset="0"/>
                 <a:cs typeface="Times New Roman" panose="02020603050405020304" pitchFamily="18" charset="0"/>
               </a:rPr>
               <a:t>)</a:t>
             </a:r>
-            <a:endParaRPr lang="en-US" dirty="0">
-              <a:latin typeface="Times New Roman" panose="02020603050405020304" pitchFamily="18" charset="0"/>
-              <a:cs typeface="Times New Roman" panose="02020603050405020304" pitchFamily="18" charset="0"/>
-            </a:endParaRPr>
           </a:p>
         </p:txBody>
       </p:sp>
@@ -3273,63 +3253,63 @@
           <a:lstStyle/>
           <a:p>
             <a:r>
-              <a:rPr lang="en-US" dirty="0" err="1" smtClean="0">
+              <a:rPr lang="en-US" dirty="0" err="1">
                 <a:latin typeface="Times New Roman" panose="02020603050405020304" pitchFamily="18" charset="0"/>
                 <a:cs typeface="Times New Roman" panose="02020603050405020304" pitchFamily="18" charset="0"/>
               </a:rPr>
               <a:t>Chuẩn</a:t>
             </a:r>
             <a:r>
-              <a:rPr lang="en-US" dirty="0" smtClean="0">
-                <a:latin typeface="Times New Roman" panose="02020603050405020304" pitchFamily="18" charset="0"/>
-                <a:cs typeface="Times New Roman" panose="02020603050405020304" pitchFamily="18" charset="0"/>
-              </a:rPr>
-              <a:t> </a:t>
-            </a:r>
-            <a:r>
-              <a:rPr lang="en-US" dirty="0" err="1" smtClean="0">
+              <a:rPr lang="en-US" dirty="0">
+                <a:latin typeface="Times New Roman" panose="02020603050405020304" pitchFamily="18" charset="0"/>
+                <a:cs typeface="Times New Roman" panose="02020603050405020304" pitchFamily="18" charset="0"/>
+              </a:rPr>
+              <a:t> </a:t>
+            </a:r>
+            <a:r>
+              <a:rPr lang="en-US" dirty="0" err="1">
                 <a:latin typeface="Times New Roman" panose="02020603050405020304" pitchFamily="18" charset="0"/>
                 <a:cs typeface="Times New Roman" panose="02020603050405020304" pitchFamily="18" charset="0"/>
               </a:rPr>
               <a:t>bị</a:t>
             </a:r>
             <a:r>
-              <a:rPr lang="en-US" dirty="0" smtClean="0">
+              <a:rPr lang="en-US" dirty="0">
                 <a:latin typeface="Times New Roman" panose="02020603050405020304" pitchFamily="18" charset="0"/>
                 <a:cs typeface="Times New Roman" panose="02020603050405020304" pitchFamily="18" charset="0"/>
               </a:rPr>
               <a:t>, </a:t>
             </a:r>
             <a:r>
-              <a:rPr lang="en-US" dirty="0" err="1" smtClean="0">
+              <a:rPr lang="en-US" dirty="0" err="1">
                 <a:latin typeface="Times New Roman" panose="02020603050405020304" pitchFamily="18" charset="0"/>
                 <a:cs typeface="Times New Roman" panose="02020603050405020304" pitchFamily="18" charset="0"/>
               </a:rPr>
               <a:t>tìm</a:t>
             </a:r>
             <a:r>
-              <a:rPr lang="en-US" dirty="0" smtClean="0">
-                <a:latin typeface="Times New Roman" panose="02020603050405020304" pitchFamily="18" charset="0"/>
-                <a:cs typeface="Times New Roman" panose="02020603050405020304" pitchFamily="18" charset="0"/>
-              </a:rPr>
-              <a:t> </a:t>
-            </a:r>
-            <a:r>
-              <a:rPr lang="en-US" dirty="0" err="1" smtClean="0">
+              <a:rPr lang="en-US" dirty="0">
+                <a:latin typeface="Times New Roman" panose="02020603050405020304" pitchFamily="18" charset="0"/>
+                <a:cs typeface="Times New Roman" panose="02020603050405020304" pitchFamily="18" charset="0"/>
+              </a:rPr>
+              <a:t> </a:t>
+            </a:r>
+            <a:r>
+              <a:rPr lang="en-US" dirty="0" err="1">
                 <a:latin typeface="Times New Roman" panose="02020603050405020304" pitchFamily="18" charset="0"/>
                 <a:cs typeface="Times New Roman" panose="02020603050405020304" pitchFamily="18" charset="0"/>
               </a:rPr>
               <a:t>kiếm</a:t>
             </a:r>
             <a:r>
-              <a:rPr lang="en-US" dirty="0" smtClean="0">
-                <a:latin typeface="Times New Roman" panose="02020603050405020304" pitchFamily="18" charset="0"/>
-                <a:cs typeface="Times New Roman" panose="02020603050405020304" pitchFamily="18" charset="0"/>
-              </a:rPr>
-              <a:t> </a:t>
-            </a:r>
-            <a:r>
-              <a:rPr lang="en-US" dirty="0" err="1" smtClean="0">
+              <a:rPr lang="en-US" dirty="0">
+                <a:latin typeface="Times New Roman" panose="02020603050405020304" pitchFamily="18" charset="0"/>
+                <a:cs typeface="Times New Roman" panose="02020603050405020304" pitchFamily="18" charset="0"/>
+              </a:rPr>
+              <a:t> </a:t>
+            </a:r>
+            <a:r>
+              <a:rPr lang="en-US" dirty="0" err="1">
                 <a:latin typeface="Times New Roman" panose="02020603050405020304" pitchFamily="18" charset="0"/>
                 <a:cs typeface="Times New Roman" panose="02020603050405020304" pitchFamily="18" charset="0"/>
               </a:rPr>
@@ -3358,7 +3338,7 @@
           <a:lstStyle/>
           <a:p>
             <a:r>
-              <a:rPr lang="en-US" dirty="0" err="1" smtClean="0">
+              <a:rPr lang="en-US" dirty="0" err="1">
                 <a:latin typeface="Times New Roman" panose="02020603050405020304" pitchFamily="18" charset="0"/>
                 <a:cs typeface="Times New Roman" panose="02020603050405020304" pitchFamily="18" charset="0"/>
               </a:rPr>
@@ -3372,350 +3352,350 @@
               <a:t> </a:t>
             </a:r>
             <a:r>
-              <a:rPr lang="en-US" dirty="0" err="1" smtClean="0">
+              <a:rPr lang="en-US" dirty="0" err="1">
                 <a:latin typeface="Times New Roman" panose="02020603050405020304" pitchFamily="18" charset="0"/>
                 <a:cs typeface="Times New Roman" panose="02020603050405020304" pitchFamily="18" charset="0"/>
               </a:rPr>
               <a:t>một</a:t>
             </a:r>
             <a:r>
-              <a:rPr lang="en-US" dirty="0" smtClean="0">
-                <a:latin typeface="Times New Roman" panose="02020603050405020304" pitchFamily="18" charset="0"/>
-                <a:cs typeface="Times New Roman" panose="02020603050405020304" pitchFamily="18" charset="0"/>
-              </a:rPr>
-              <a:t> </a:t>
-            </a:r>
-            <a:r>
-              <a:rPr lang="en-US" dirty="0" err="1" smtClean="0">
+              <a:rPr lang="en-US" dirty="0">
+                <a:latin typeface="Times New Roman" panose="02020603050405020304" pitchFamily="18" charset="0"/>
+                <a:cs typeface="Times New Roman" panose="02020603050405020304" pitchFamily="18" charset="0"/>
+              </a:rPr>
+              <a:t> </a:t>
+            </a:r>
+            <a:r>
+              <a:rPr lang="en-US" dirty="0" err="1">
                 <a:latin typeface="Times New Roman" panose="02020603050405020304" pitchFamily="18" charset="0"/>
                 <a:cs typeface="Times New Roman" panose="02020603050405020304" pitchFamily="18" charset="0"/>
               </a:rPr>
               <a:t>thời</a:t>
             </a:r>
             <a:r>
-              <a:rPr lang="en-US" dirty="0" smtClean="0">
-                <a:latin typeface="Times New Roman" panose="02020603050405020304" pitchFamily="18" charset="0"/>
-                <a:cs typeface="Times New Roman" panose="02020603050405020304" pitchFamily="18" charset="0"/>
-              </a:rPr>
-              <a:t> </a:t>
-            </a:r>
-            <a:r>
-              <a:rPr lang="en-US" dirty="0" err="1" smtClean="0">
+              <a:rPr lang="en-US" dirty="0">
+                <a:latin typeface="Times New Roman" panose="02020603050405020304" pitchFamily="18" charset="0"/>
+                <a:cs typeface="Times New Roman" panose="02020603050405020304" pitchFamily="18" charset="0"/>
+              </a:rPr>
+              <a:t> </a:t>
+            </a:r>
+            <a:r>
+              <a:rPr lang="en-US" dirty="0" err="1">
                 <a:latin typeface="Times New Roman" panose="02020603050405020304" pitchFamily="18" charset="0"/>
                 <a:cs typeface="Times New Roman" panose="02020603050405020304" pitchFamily="18" charset="0"/>
               </a:rPr>
               <a:t>gian</a:t>
             </a:r>
             <a:r>
-              <a:rPr lang="en-US" dirty="0" smtClean="0">
-                <a:latin typeface="Times New Roman" panose="02020603050405020304" pitchFamily="18" charset="0"/>
-                <a:cs typeface="Times New Roman" panose="02020603050405020304" pitchFamily="18" charset="0"/>
-              </a:rPr>
-              <a:t> </a:t>
-            </a:r>
-            <a:r>
-              <a:rPr lang="en-US" dirty="0" err="1" smtClean="0">
+              <a:rPr lang="en-US" dirty="0">
+                <a:latin typeface="Times New Roman" panose="02020603050405020304" pitchFamily="18" charset="0"/>
+                <a:cs typeface="Times New Roman" panose="02020603050405020304" pitchFamily="18" charset="0"/>
+              </a:rPr>
+              <a:t> </a:t>
+            </a:r>
+            <a:r>
+              <a:rPr lang="en-US" dirty="0" err="1">
                 <a:latin typeface="Times New Roman" panose="02020603050405020304" pitchFamily="18" charset="0"/>
                 <a:cs typeface="Times New Roman" panose="02020603050405020304" pitchFamily="18" charset="0"/>
               </a:rPr>
               <a:t>tìm</a:t>
             </a:r>
             <a:r>
-              <a:rPr lang="en-US" dirty="0" smtClean="0">
-                <a:latin typeface="Times New Roman" panose="02020603050405020304" pitchFamily="18" charset="0"/>
-                <a:cs typeface="Times New Roman" panose="02020603050405020304" pitchFamily="18" charset="0"/>
-              </a:rPr>
-              <a:t> </a:t>
-            </a:r>
-            <a:r>
-              <a:rPr lang="en-US" dirty="0" err="1" smtClean="0">
+              <a:rPr lang="en-US" dirty="0">
+                <a:latin typeface="Times New Roman" panose="02020603050405020304" pitchFamily="18" charset="0"/>
+                <a:cs typeface="Times New Roman" panose="02020603050405020304" pitchFamily="18" charset="0"/>
+              </a:rPr>
+              <a:t> </a:t>
+            </a:r>
+            <a:r>
+              <a:rPr lang="en-US" dirty="0" err="1">
                 <a:latin typeface="Times New Roman" panose="02020603050405020304" pitchFamily="18" charset="0"/>
                 <a:cs typeface="Times New Roman" panose="02020603050405020304" pitchFamily="18" charset="0"/>
               </a:rPr>
               <a:t>kiếm</a:t>
             </a:r>
             <a:r>
-              <a:rPr lang="en-US" dirty="0" smtClean="0">
-                <a:latin typeface="Times New Roman" panose="02020603050405020304" pitchFamily="18" charset="0"/>
-                <a:cs typeface="Times New Roman" panose="02020603050405020304" pitchFamily="18" charset="0"/>
-              </a:rPr>
-              <a:t> </a:t>
-            </a:r>
-            <a:r>
-              <a:rPr lang="en-US" dirty="0" err="1" smtClean="0">
+              <a:rPr lang="en-US" dirty="0">
+                <a:latin typeface="Times New Roman" panose="02020603050405020304" pitchFamily="18" charset="0"/>
+                <a:cs typeface="Times New Roman" panose="02020603050405020304" pitchFamily="18" charset="0"/>
+              </a:rPr>
+              <a:t> </a:t>
+            </a:r>
+            <a:r>
+              <a:rPr lang="en-US" dirty="0" err="1">
                 <a:latin typeface="Times New Roman" panose="02020603050405020304" pitchFamily="18" charset="0"/>
                 <a:cs typeface="Times New Roman" panose="02020603050405020304" pitchFamily="18" charset="0"/>
               </a:rPr>
               <a:t>api</a:t>
             </a:r>
             <a:r>
-              <a:rPr lang="en-US" dirty="0" smtClean="0">
-                <a:latin typeface="Times New Roman" panose="02020603050405020304" pitchFamily="18" charset="0"/>
-                <a:cs typeface="Times New Roman" panose="02020603050405020304" pitchFamily="18" charset="0"/>
-              </a:rPr>
-              <a:t> </a:t>
-            </a:r>
-            <a:r>
-              <a:rPr lang="en-US" dirty="0" err="1" smtClean="0">
+              <a:rPr lang="en-US" dirty="0">
+                <a:latin typeface="Times New Roman" panose="02020603050405020304" pitchFamily="18" charset="0"/>
+                <a:cs typeface="Times New Roman" panose="02020603050405020304" pitchFamily="18" charset="0"/>
+              </a:rPr>
+              <a:t> </a:t>
+            </a:r>
+            <a:r>
+              <a:rPr lang="en-US" dirty="0" err="1">
                 <a:latin typeface="Times New Roman" panose="02020603050405020304" pitchFamily="18" charset="0"/>
                 <a:cs typeface="Times New Roman" panose="02020603050405020304" pitchFamily="18" charset="0"/>
               </a:rPr>
               <a:t>lịch</a:t>
             </a:r>
             <a:r>
-              <a:rPr lang="en-US" dirty="0" smtClean="0">
-                <a:latin typeface="Times New Roman" panose="02020603050405020304" pitchFamily="18" charset="0"/>
-                <a:cs typeface="Times New Roman" panose="02020603050405020304" pitchFamily="18" charset="0"/>
-              </a:rPr>
-              <a:t> </a:t>
-            </a:r>
-            <a:r>
-              <a:rPr lang="en-US" dirty="0" err="1" smtClean="0">
+              <a:rPr lang="en-US" dirty="0">
+                <a:latin typeface="Times New Roman" panose="02020603050405020304" pitchFamily="18" charset="0"/>
+                <a:cs typeface="Times New Roman" panose="02020603050405020304" pitchFamily="18" charset="0"/>
+              </a:rPr>
+              <a:t> </a:t>
+            </a:r>
+            <a:r>
+              <a:rPr lang="en-US" dirty="0" err="1">
                 <a:latin typeface="Times New Roman" panose="02020603050405020304" pitchFamily="18" charset="0"/>
                 <a:cs typeface="Times New Roman" panose="02020603050405020304" pitchFamily="18" charset="0"/>
               </a:rPr>
               <a:t>sử</a:t>
             </a:r>
             <a:r>
-              <a:rPr lang="en-US" dirty="0" smtClean="0">
-                <a:latin typeface="Times New Roman" panose="02020603050405020304" pitchFamily="18" charset="0"/>
-                <a:cs typeface="Times New Roman" panose="02020603050405020304" pitchFamily="18" charset="0"/>
-              </a:rPr>
-              <a:t> </a:t>
-            </a:r>
-            <a:r>
-              <a:rPr lang="en-US" dirty="0" err="1" smtClean="0">
+              <a:rPr lang="en-US" dirty="0">
+                <a:latin typeface="Times New Roman" panose="02020603050405020304" pitchFamily="18" charset="0"/>
+                <a:cs typeface="Times New Roman" panose="02020603050405020304" pitchFamily="18" charset="0"/>
+              </a:rPr>
+              <a:t> </a:t>
+            </a:r>
+            <a:r>
+              <a:rPr lang="en-US" dirty="0" err="1">
                 <a:latin typeface="Times New Roman" panose="02020603050405020304" pitchFamily="18" charset="0"/>
                 <a:cs typeface="Times New Roman" panose="02020603050405020304" pitchFamily="18" charset="0"/>
               </a:rPr>
               <a:t>thời</a:t>
             </a:r>
             <a:r>
-              <a:rPr lang="en-US" dirty="0" smtClean="0">
-                <a:latin typeface="Times New Roman" panose="02020603050405020304" pitchFamily="18" charset="0"/>
-                <a:cs typeface="Times New Roman" panose="02020603050405020304" pitchFamily="18" charset="0"/>
-              </a:rPr>
-              <a:t> </a:t>
-            </a:r>
-            <a:r>
-              <a:rPr lang="en-US" dirty="0" err="1" smtClean="0">
+              <a:rPr lang="en-US" dirty="0">
+                <a:latin typeface="Times New Roman" panose="02020603050405020304" pitchFamily="18" charset="0"/>
+                <a:cs typeface="Times New Roman" panose="02020603050405020304" pitchFamily="18" charset="0"/>
+              </a:rPr>
+              <a:t> </a:t>
+            </a:r>
+            <a:r>
+              <a:rPr lang="en-US" dirty="0" err="1">
                 <a:latin typeface="Times New Roman" panose="02020603050405020304" pitchFamily="18" charset="0"/>
                 <a:cs typeface="Times New Roman" panose="02020603050405020304" pitchFamily="18" charset="0"/>
               </a:rPr>
               <a:t>tiết</a:t>
             </a:r>
             <a:r>
-              <a:rPr lang="en-US" dirty="0" smtClean="0">
+              <a:rPr lang="en-US" dirty="0">
                 <a:latin typeface="Times New Roman" panose="02020603050405020304" pitchFamily="18" charset="0"/>
                 <a:cs typeface="Times New Roman" panose="02020603050405020304" pitchFamily="18" charset="0"/>
               </a:rPr>
               <a:t>, </a:t>
             </a:r>
             <a:r>
-              <a:rPr lang="en-US" dirty="0" err="1" smtClean="0">
+              <a:rPr lang="en-US" dirty="0" err="1">
                 <a:latin typeface="Times New Roman" panose="02020603050405020304" pitchFamily="18" charset="0"/>
                 <a:cs typeface="Times New Roman" panose="02020603050405020304" pitchFamily="18" charset="0"/>
               </a:rPr>
               <a:t>hầu</a:t>
             </a:r>
             <a:r>
-              <a:rPr lang="en-US" dirty="0" smtClean="0">
-                <a:latin typeface="Times New Roman" panose="02020603050405020304" pitchFamily="18" charset="0"/>
-                <a:cs typeface="Times New Roman" panose="02020603050405020304" pitchFamily="18" charset="0"/>
-              </a:rPr>
-              <a:t> </a:t>
-            </a:r>
-            <a:r>
-              <a:rPr lang="en-US" dirty="0" err="1" smtClean="0">
+              <a:rPr lang="en-US" dirty="0">
+                <a:latin typeface="Times New Roman" panose="02020603050405020304" pitchFamily="18" charset="0"/>
+                <a:cs typeface="Times New Roman" panose="02020603050405020304" pitchFamily="18" charset="0"/>
+              </a:rPr>
+              <a:t> </a:t>
+            </a:r>
+            <a:r>
+              <a:rPr lang="en-US" dirty="0" err="1">
                 <a:latin typeface="Times New Roman" panose="02020603050405020304" pitchFamily="18" charset="0"/>
                 <a:cs typeface="Times New Roman" panose="02020603050405020304" pitchFamily="18" charset="0"/>
               </a:rPr>
               <a:t>hết</a:t>
             </a:r>
             <a:r>
-              <a:rPr lang="en-US" dirty="0" smtClean="0">
-                <a:latin typeface="Times New Roman" panose="02020603050405020304" pitchFamily="18" charset="0"/>
-                <a:cs typeface="Times New Roman" panose="02020603050405020304" pitchFamily="18" charset="0"/>
-              </a:rPr>
-              <a:t> </a:t>
-            </a:r>
-            <a:r>
-              <a:rPr lang="en-US" dirty="0" err="1" smtClean="0">
+              <a:rPr lang="en-US" dirty="0">
+                <a:latin typeface="Times New Roman" panose="02020603050405020304" pitchFamily="18" charset="0"/>
+                <a:cs typeface="Times New Roman" panose="02020603050405020304" pitchFamily="18" charset="0"/>
+              </a:rPr>
+              <a:t> </a:t>
+            </a:r>
+            <a:r>
+              <a:rPr lang="en-US" dirty="0" err="1">
                 <a:latin typeface="Times New Roman" panose="02020603050405020304" pitchFamily="18" charset="0"/>
                 <a:cs typeface="Times New Roman" panose="02020603050405020304" pitchFamily="18" charset="0"/>
               </a:rPr>
               <a:t>đều</a:t>
             </a:r>
             <a:r>
-              <a:rPr lang="en-US" dirty="0" smtClean="0">
-                <a:latin typeface="Times New Roman" panose="02020603050405020304" pitchFamily="18" charset="0"/>
-                <a:cs typeface="Times New Roman" panose="02020603050405020304" pitchFamily="18" charset="0"/>
-              </a:rPr>
-              <a:t> </a:t>
-            </a:r>
-            <a:r>
-              <a:rPr lang="en-US" dirty="0" err="1" smtClean="0">
+              <a:rPr lang="en-US" dirty="0">
+                <a:latin typeface="Times New Roman" panose="02020603050405020304" pitchFamily="18" charset="0"/>
+                <a:cs typeface="Times New Roman" panose="02020603050405020304" pitchFamily="18" charset="0"/>
+              </a:rPr>
+              <a:t> </a:t>
+            </a:r>
+            <a:r>
+              <a:rPr lang="en-US" dirty="0" err="1">
                 <a:latin typeface="Times New Roman" panose="02020603050405020304" pitchFamily="18" charset="0"/>
                 <a:cs typeface="Times New Roman" panose="02020603050405020304" pitchFamily="18" charset="0"/>
               </a:rPr>
               <a:t>là</a:t>
             </a:r>
             <a:r>
-              <a:rPr lang="en-US" dirty="0" smtClean="0">
-                <a:latin typeface="Times New Roman" panose="02020603050405020304" pitchFamily="18" charset="0"/>
-                <a:cs typeface="Times New Roman" panose="02020603050405020304" pitchFamily="18" charset="0"/>
-              </a:rPr>
-              <a:t> </a:t>
-            </a:r>
-            <a:r>
-              <a:rPr lang="en-US" dirty="0" err="1" smtClean="0">
+              <a:rPr lang="en-US" dirty="0">
+                <a:latin typeface="Times New Roman" panose="02020603050405020304" pitchFamily="18" charset="0"/>
+                <a:cs typeface="Times New Roman" panose="02020603050405020304" pitchFamily="18" charset="0"/>
+              </a:rPr>
+              <a:t> </a:t>
+            </a:r>
+            <a:r>
+              <a:rPr lang="en-US" dirty="0" err="1">
                 <a:latin typeface="Times New Roman" panose="02020603050405020304" pitchFamily="18" charset="0"/>
                 <a:cs typeface="Times New Roman" panose="02020603050405020304" pitchFamily="18" charset="0"/>
               </a:rPr>
               <a:t>trả</a:t>
             </a:r>
             <a:r>
-              <a:rPr lang="en-US" dirty="0" smtClean="0">
-                <a:latin typeface="Times New Roman" panose="02020603050405020304" pitchFamily="18" charset="0"/>
-                <a:cs typeface="Times New Roman" panose="02020603050405020304" pitchFamily="18" charset="0"/>
-              </a:rPr>
-              <a:t> </a:t>
-            </a:r>
-            <a:r>
-              <a:rPr lang="en-US" dirty="0" err="1" smtClean="0">
+              <a:rPr lang="en-US" dirty="0">
+                <a:latin typeface="Times New Roman" panose="02020603050405020304" pitchFamily="18" charset="0"/>
+                <a:cs typeface="Times New Roman" panose="02020603050405020304" pitchFamily="18" charset="0"/>
+              </a:rPr>
+              <a:t> </a:t>
+            </a:r>
+            <a:r>
+              <a:rPr lang="en-US" dirty="0" err="1">
                 <a:latin typeface="Times New Roman" panose="02020603050405020304" pitchFamily="18" charset="0"/>
                 <a:cs typeface="Times New Roman" panose="02020603050405020304" pitchFamily="18" charset="0"/>
               </a:rPr>
               <a:t>phí</a:t>
             </a:r>
             <a:r>
-              <a:rPr lang="en-US" dirty="0" smtClean="0">
+              <a:rPr lang="en-US" dirty="0">
                 <a:latin typeface="Times New Roman" panose="02020603050405020304" pitchFamily="18" charset="0"/>
                 <a:cs typeface="Times New Roman" panose="02020603050405020304" pitchFamily="18" charset="0"/>
               </a:rPr>
               <a:t>. </a:t>
             </a:r>
             <a:r>
-              <a:rPr lang="en-US" dirty="0" err="1" smtClean="0">
+              <a:rPr lang="en-US" dirty="0" err="1">
                 <a:latin typeface="Times New Roman" panose="02020603050405020304" pitchFamily="18" charset="0"/>
                 <a:cs typeface="Times New Roman" panose="02020603050405020304" pitchFamily="18" charset="0"/>
               </a:rPr>
               <a:t>thì</a:t>
             </a:r>
             <a:r>
-              <a:rPr lang="en-US" dirty="0" smtClean="0">
-                <a:latin typeface="Times New Roman" panose="02020603050405020304" pitchFamily="18" charset="0"/>
-                <a:cs typeface="Times New Roman" panose="02020603050405020304" pitchFamily="18" charset="0"/>
-              </a:rPr>
-              <a:t> </a:t>
-            </a:r>
-            <a:r>
-              <a:rPr lang="en-US" dirty="0" err="1" smtClean="0">
+              <a:rPr lang="en-US" dirty="0">
+                <a:latin typeface="Times New Roman" panose="02020603050405020304" pitchFamily="18" charset="0"/>
+                <a:cs typeface="Times New Roman" panose="02020603050405020304" pitchFamily="18" charset="0"/>
+              </a:rPr>
+              <a:t> </a:t>
+            </a:r>
+            <a:r>
+              <a:rPr lang="en-US" dirty="0" err="1">
                 <a:latin typeface="Times New Roman" panose="02020603050405020304" pitchFamily="18" charset="0"/>
                 <a:cs typeface="Times New Roman" panose="02020603050405020304" pitchFamily="18" charset="0"/>
               </a:rPr>
               <a:t>nhóm</a:t>
             </a:r>
             <a:r>
-              <a:rPr lang="en-US" dirty="0" smtClean="0">
-                <a:latin typeface="Times New Roman" panose="02020603050405020304" pitchFamily="18" charset="0"/>
-                <a:cs typeface="Times New Roman" panose="02020603050405020304" pitchFamily="18" charset="0"/>
-              </a:rPr>
-              <a:t> </a:t>
-            </a:r>
-            <a:r>
-              <a:rPr lang="en-US" dirty="0" err="1" smtClean="0">
+              <a:rPr lang="en-US" dirty="0">
+                <a:latin typeface="Times New Roman" panose="02020603050405020304" pitchFamily="18" charset="0"/>
+                <a:cs typeface="Times New Roman" panose="02020603050405020304" pitchFamily="18" charset="0"/>
+              </a:rPr>
+              <a:t> </a:t>
+            </a:r>
+            <a:r>
+              <a:rPr lang="en-US" dirty="0" err="1">
                 <a:latin typeface="Times New Roman" panose="02020603050405020304" pitchFamily="18" charset="0"/>
                 <a:cs typeface="Times New Roman" panose="02020603050405020304" pitchFamily="18" charset="0"/>
               </a:rPr>
               <a:t>kiếm</a:t>
             </a:r>
             <a:r>
-              <a:rPr lang="en-US" dirty="0" smtClean="0">
-                <a:latin typeface="Times New Roman" panose="02020603050405020304" pitchFamily="18" charset="0"/>
-                <a:cs typeface="Times New Roman" panose="02020603050405020304" pitchFamily="18" charset="0"/>
-              </a:rPr>
-              <a:t> </a:t>
-            </a:r>
-            <a:r>
-              <a:rPr lang="en-US" dirty="0" err="1" smtClean="0">
+              <a:rPr lang="en-US" dirty="0">
+                <a:latin typeface="Times New Roman" panose="02020603050405020304" pitchFamily="18" charset="0"/>
+                <a:cs typeface="Times New Roman" panose="02020603050405020304" pitchFamily="18" charset="0"/>
+              </a:rPr>
+              <a:t> </a:t>
+            </a:r>
+            <a:r>
+              <a:rPr lang="en-US" dirty="0" err="1">
                 <a:latin typeface="Times New Roman" panose="02020603050405020304" pitchFamily="18" charset="0"/>
                 <a:cs typeface="Times New Roman" panose="02020603050405020304" pitchFamily="18" charset="0"/>
               </a:rPr>
               <a:t>được</a:t>
             </a:r>
             <a:r>
-              <a:rPr lang="en-US" dirty="0" smtClean="0">
+              <a:rPr lang="en-US" dirty="0">
                 <a:latin typeface="Times New Roman" panose="02020603050405020304" pitchFamily="18" charset="0"/>
                 <a:cs typeface="Times New Roman" panose="02020603050405020304" pitchFamily="18" charset="0"/>
               </a:rPr>
               <a:t> 1 </a:t>
             </a:r>
             <a:r>
-              <a:rPr lang="en-US" dirty="0" err="1" smtClean="0">
+              <a:rPr lang="en-US" dirty="0" err="1">
                 <a:latin typeface="Times New Roman" panose="02020603050405020304" pitchFamily="18" charset="0"/>
                 <a:cs typeface="Times New Roman" panose="02020603050405020304" pitchFamily="18" charset="0"/>
               </a:rPr>
               <a:t>api</a:t>
             </a:r>
             <a:r>
-              <a:rPr lang="en-US" dirty="0" smtClean="0">
-                <a:latin typeface="Times New Roman" panose="02020603050405020304" pitchFamily="18" charset="0"/>
-                <a:cs typeface="Times New Roman" panose="02020603050405020304" pitchFamily="18" charset="0"/>
-              </a:rPr>
-              <a:t> </a:t>
-            </a:r>
-            <a:r>
-              <a:rPr lang="en-US" dirty="0" err="1" smtClean="0">
+              <a:rPr lang="en-US" dirty="0">
+                <a:latin typeface="Times New Roman" panose="02020603050405020304" pitchFamily="18" charset="0"/>
+                <a:cs typeface="Times New Roman" panose="02020603050405020304" pitchFamily="18" charset="0"/>
+              </a:rPr>
+              <a:t> </a:t>
+            </a:r>
+            <a:r>
+              <a:rPr lang="en-US" dirty="0" err="1">
                 <a:latin typeface="Times New Roman" panose="02020603050405020304" pitchFamily="18" charset="0"/>
                 <a:cs typeface="Times New Roman" panose="02020603050405020304" pitchFamily="18" charset="0"/>
               </a:rPr>
               <a:t>cho</a:t>
             </a:r>
             <a:r>
-              <a:rPr lang="en-US" dirty="0" smtClean="0">
+              <a:rPr lang="en-US" dirty="0">
                 <a:latin typeface="Times New Roman" panose="02020603050405020304" pitchFamily="18" charset="0"/>
                 <a:cs typeface="Times New Roman" panose="02020603050405020304" pitchFamily="18" charset="0"/>
               </a:rPr>
               <a:t> free trial premium 60 </a:t>
             </a:r>
             <a:r>
-              <a:rPr lang="en-US" dirty="0" err="1" smtClean="0">
+              <a:rPr lang="en-US" dirty="0" err="1">
                 <a:latin typeface="Times New Roman" panose="02020603050405020304" pitchFamily="18" charset="0"/>
                 <a:cs typeface="Times New Roman" panose="02020603050405020304" pitchFamily="18" charset="0"/>
               </a:rPr>
               <a:t>ngày</a:t>
             </a:r>
             <a:r>
-              <a:rPr lang="en-US" dirty="0" smtClean="0">
-                <a:latin typeface="Times New Roman" panose="02020603050405020304" pitchFamily="18" charset="0"/>
-                <a:cs typeface="Times New Roman" panose="02020603050405020304" pitchFamily="18" charset="0"/>
-              </a:rPr>
-              <a:t> </a:t>
-            </a:r>
-            <a:r>
-              <a:rPr lang="en-US" dirty="0" err="1" smtClean="0">
+              <a:rPr lang="en-US" dirty="0">
+                <a:latin typeface="Times New Roman" panose="02020603050405020304" pitchFamily="18" charset="0"/>
+                <a:cs typeface="Times New Roman" panose="02020603050405020304" pitchFamily="18" charset="0"/>
+              </a:rPr>
+              <a:t> </a:t>
+            </a:r>
+            <a:r>
+              <a:rPr lang="en-US" dirty="0" err="1">
                 <a:latin typeface="Times New Roman" panose="02020603050405020304" pitchFamily="18" charset="0"/>
                 <a:cs typeface="Times New Roman" panose="02020603050405020304" pitchFamily="18" charset="0"/>
               </a:rPr>
               <a:t>đầu</a:t>
             </a:r>
-            <a:endParaRPr lang="en-US" dirty="0" smtClean="0">
+            <a:endParaRPr lang="en-US" dirty="0">
               <a:latin typeface="Times New Roman" panose="02020603050405020304" pitchFamily="18" charset="0"/>
               <a:cs typeface="Times New Roman" panose="02020603050405020304" pitchFamily="18" charset="0"/>
             </a:endParaRPr>
           </a:p>
           <a:p>
             <a:r>
-              <a:rPr lang="en-US" dirty="0" smtClean="0">
+              <a:rPr lang="en-US" dirty="0">
                 <a:hlinkClick r:id="rId2"/>
               </a:rPr>
               <a:t>Historical Weather API Documentation (worldweatheronline.com)</a:t>
             </a:r>
-            <a:endParaRPr lang="en-US" dirty="0" smtClean="0"/>
-          </a:p>
-          <a:p>
-            <a:endParaRPr lang="en-US" dirty="0" smtClean="0">
+            <a:endParaRPr lang="en-US" dirty="0"/>
+          </a:p>
+          <a:p>
+            <a:endParaRPr lang="en-US" dirty="0">
               <a:latin typeface="Times New Roman" panose="02020603050405020304" pitchFamily="18" charset="0"/>
               <a:cs typeface="Times New Roman" panose="02020603050405020304" pitchFamily="18" charset="0"/>
             </a:endParaRPr>
@@ -3768,55 +3748,55 @@
           <a:lstStyle/>
           <a:p>
             <a:r>
-              <a:rPr lang="en-US" dirty="0" err="1" smtClean="0"/>
+              <a:rPr lang="en-US" dirty="0" err="1"/>
               <a:t>Tham</a:t>
             </a:r>
             <a:r>
-              <a:rPr lang="en-US" dirty="0" smtClean="0"/>
-              <a:t> </a:t>
-            </a:r>
-            <a:r>
-              <a:rPr lang="en-US" dirty="0" err="1" smtClean="0"/>
+              <a:rPr lang="en-US" dirty="0"/>
+              <a:t> </a:t>
+            </a:r>
+            <a:r>
+              <a:rPr lang="en-US" dirty="0" err="1"/>
               <a:t>số</a:t>
             </a:r>
             <a:r>
-              <a:rPr lang="en-US" dirty="0" smtClean="0"/>
-              <a:t> </a:t>
-            </a:r>
-            <a:r>
-              <a:rPr lang="en-US" dirty="0" err="1" smtClean="0"/>
+              <a:rPr lang="en-US" dirty="0"/>
+              <a:t> </a:t>
+            </a:r>
+            <a:r>
+              <a:rPr lang="en-US" dirty="0" err="1"/>
               <a:t>trong</a:t>
             </a:r>
             <a:r>
-              <a:rPr lang="en-US" dirty="0" smtClean="0"/>
-              <a:t> </a:t>
-            </a:r>
-            <a:r>
-              <a:rPr lang="en-US" dirty="0" err="1" smtClean="0"/>
+              <a:rPr lang="en-US" dirty="0"/>
+              <a:t> </a:t>
+            </a:r>
+            <a:r>
+              <a:rPr lang="en-US" dirty="0" err="1"/>
               <a:t>lệnh</a:t>
             </a:r>
             <a:r>
-              <a:rPr lang="en-US" dirty="0" smtClean="0"/>
+              <a:rPr lang="en-US" dirty="0"/>
               <a:t> request </a:t>
             </a:r>
             <a:r>
-              <a:rPr lang="en-US" dirty="0" err="1" smtClean="0"/>
+              <a:rPr lang="en-US" dirty="0" err="1"/>
               <a:t>của</a:t>
             </a:r>
             <a:r>
-              <a:rPr lang="en-US" dirty="0" smtClean="0"/>
-              <a:t> </a:t>
-            </a:r>
-            <a:r>
-              <a:rPr lang="en-US" dirty="0" err="1" smtClean="0"/>
+              <a:rPr lang="en-US" dirty="0"/>
+              <a:t> </a:t>
+            </a:r>
+            <a:r>
+              <a:rPr lang="en-US" dirty="0" err="1"/>
               <a:t>api</a:t>
             </a:r>
             <a:r>
-              <a:rPr lang="en-US" dirty="0" smtClean="0"/>
-              <a:t> </a:t>
-            </a:r>
-            <a:r>
-              <a:rPr lang="en-US" dirty="0" err="1" smtClean="0"/>
+              <a:rPr lang="en-US" dirty="0"/>
+              <a:t> </a:t>
+            </a:r>
+            <a:r>
+              <a:rPr lang="en-US" dirty="0" err="1"/>
               <a:t>này</a:t>
             </a:r>
             <a:endParaRPr lang="en-US" dirty="0"/>
@@ -3951,55 +3931,55 @@
           <a:lstStyle/>
           <a:p>
             <a:r>
-              <a:rPr lang="en-US" dirty="0" err="1" smtClean="0"/>
+              <a:rPr lang="en-US" dirty="0" err="1"/>
               <a:t>Tiến</a:t>
             </a:r>
             <a:r>
-              <a:rPr lang="en-US" dirty="0" smtClean="0"/>
-              <a:t> </a:t>
-            </a:r>
-            <a:r>
-              <a:rPr lang="en-US" dirty="0" err="1" smtClean="0"/>
+              <a:rPr lang="en-US" dirty="0"/>
+              <a:t> </a:t>
+            </a:r>
+            <a:r>
+              <a:rPr lang="en-US" dirty="0" err="1"/>
               <a:t>hành</a:t>
             </a:r>
             <a:r>
-              <a:rPr lang="en-US" dirty="0" smtClean="0"/>
-              <a:t> </a:t>
-            </a:r>
-            <a:r>
-              <a:rPr lang="en-US" dirty="0" err="1" smtClean="0"/>
+              <a:rPr lang="en-US" dirty="0"/>
+              <a:t> </a:t>
+            </a:r>
+            <a:r>
+              <a:rPr lang="en-US" dirty="0" err="1"/>
               <a:t>lấy</a:t>
             </a:r>
             <a:r>
-              <a:rPr lang="en-US" dirty="0" smtClean="0"/>
-              <a:t> </a:t>
-            </a:r>
-            <a:r>
-              <a:rPr lang="en-US" dirty="0" err="1" smtClean="0"/>
+              <a:rPr lang="en-US" dirty="0"/>
+              <a:t> </a:t>
+            </a:r>
+            <a:r>
+              <a:rPr lang="en-US" dirty="0" err="1"/>
               <a:t>dữ</a:t>
             </a:r>
             <a:r>
-              <a:rPr lang="en-US" dirty="0" smtClean="0"/>
-              <a:t> </a:t>
-            </a:r>
-            <a:r>
-              <a:rPr lang="en-US" dirty="0" err="1" smtClean="0"/>
+              <a:rPr lang="en-US" dirty="0"/>
+              <a:t> </a:t>
+            </a:r>
+            <a:r>
+              <a:rPr lang="en-US" dirty="0" err="1"/>
               <a:t>liệu</a:t>
             </a:r>
             <a:r>
-              <a:rPr lang="en-US" dirty="0" smtClean="0"/>
-              <a:t> </a:t>
-            </a:r>
-            <a:r>
-              <a:rPr lang="en-US" dirty="0" err="1" smtClean="0"/>
+              <a:rPr lang="en-US" dirty="0"/>
+              <a:t> </a:t>
+            </a:r>
+            <a:r>
+              <a:rPr lang="en-US" dirty="0" err="1"/>
               <a:t>từ</a:t>
             </a:r>
             <a:r>
-              <a:rPr lang="en-US" dirty="0" smtClean="0"/>
-              <a:t> </a:t>
-            </a:r>
-            <a:r>
-              <a:rPr lang="en-US" dirty="0" err="1" smtClean="0"/>
+              <a:rPr lang="en-US" dirty="0"/>
+              <a:t> </a:t>
+            </a:r>
+            <a:r>
+              <a:rPr lang="en-US" dirty="0" err="1"/>
               <a:t>api</a:t>
             </a:r>
             <a:endParaRPr lang="en-US" dirty="0"/>
@@ -4024,269 +4004,269 @@
           <a:lstStyle/>
           <a:p>
             <a:r>
-              <a:rPr lang="en-US" dirty="0" err="1" smtClean="0"/>
+              <a:rPr lang="en-US" dirty="0" err="1"/>
               <a:t>Mẫu</a:t>
             </a:r>
             <a:r>
-              <a:rPr lang="en-US" dirty="0" smtClean="0"/>
-              <a:t> </a:t>
-            </a:r>
-            <a:r>
-              <a:rPr lang="en-US" dirty="0" err="1" smtClean="0"/>
+              <a:rPr lang="en-US" dirty="0"/>
+              <a:t> </a:t>
+            </a:r>
+            <a:r>
+              <a:rPr lang="en-US" dirty="0" err="1"/>
               <a:t>api</a:t>
             </a:r>
             <a:r>
-              <a:rPr lang="en-US" dirty="0" smtClean="0"/>
-              <a:t> </a:t>
-            </a:r>
-            <a:r>
-              <a:rPr lang="en-US" dirty="0" err="1" smtClean="0"/>
+              <a:rPr lang="en-US" dirty="0"/>
+              <a:t> </a:t>
+            </a:r>
+            <a:r>
+              <a:rPr lang="en-US" dirty="0" err="1"/>
               <a:t>để</a:t>
             </a:r>
             <a:r>
-              <a:rPr lang="en-US" dirty="0" smtClean="0"/>
-              <a:t> </a:t>
-            </a:r>
-            <a:r>
-              <a:rPr lang="en-US" dirty="0" err="1" smtClean="0"/>
+              <a:rPr lang="en-US" dirty="0"/>
+              <a:t> </a:t>
+            </a:r>
+            <a:r>
+              <a:rPr lang="en-US" dirty="0" err="1"/>
               <a:t>lấy</a:t>
             </a:r>
             <a:r>
-              <a:rPr lang="en-US" dirty="0" smtClean="0"/>
-              <a:t> </a:t>
-            </a:r>
-            <a:r>
-              <a:rPr lang="en-US" dirty="0" err="1" smtClean="0"/>
+              <a:rPr lang="en-US" dirty="0"/>
+              <a:t> </a:t>
+            </a:r>
+            <a:r>
+              <a:rPr lang="en-US" dirty="0" err="1"/>
               <a:t>dữ</a:t>
             </a:r>
             <a:r>
-              <a:rPr lang="en-US" dirty="0" smtClean="0"/>
-              <a:t> </a:t>
-            </a:r>
-            <a:r>
-              <a:rPr lang="en-US" dirty="0" err="1" smtClean="0"/>
+              <a:rPr lang="en-US" dirty="0"/>
+              <a:t> </a:t>
+            </a:r>
+            <a:r>
+              <a:rPr lang="en-US" dirty="0" err="1"/>
               <a:t>liệu</a:t>
             </a:r>
             <a:r>
-              <a:rPr lang="en-US" dirty="0" smtClean="0"/>
-              <a:t> </a:t>
-            </a:r>
-            <a:r>
-              <a:rPr lang="en-US" dirty="0" err="1" smtClean="0"/>
+              <a:rPr lang="en-US" dirty="0"/>
+              <a:t> </a:t>
+            </a:r>
+            <a:r>
+              <a:rPr lang="en-US" dirty="0" err="1"/>
               <a:t>từ</a:t>
             </a:r>
             <a:r>
-              <a:rPr lang="en-US" dirty="0" smtClean="0"/>
-              <a:t> </a:t>
-            </a:r>
-            <a:r>
-              <a:rPr lang="en-US" dirty="0" err="1" smtClean="0"/>
+              <a:rPr lang="en-US" dirty="0"/>
+              <a:t> </a:t>
+            </a:r>
+            <a:r>
+              <a:rPr lang="en-US" dirty="0" err="1"/>
               <a:t>ngày</a:t>
             </a:r>
             <a:r>
-              <a:rPr lang="en-US" dirty="0" smtClean="0"/>
+              <a:rPr lang="en-US" dirty="0"/>
               <a:t> 1 </a:t>
             </a:r>
             <a:r>
-              <a:rPr lang="en-US" dirty="0" err="1" smtClean="0"/>
+              <a:rPr lang="en-US" dirty="0" err="1"/>
               <a:t>tới</a:t>
             </a:r>
             <a:r>
-              <a:rPr lang="en-US" dirty="0" smtClean="0"/>
+              <a:rPr lang="en-US" dirty="0"/>
               <a:t> 28 </a:t>
             </a:r>
             <a:r>
-              <a:rPr lang="en-US" dirty="0" err="1" smtClean="0"/>
+              <a:rPr lang="en-US" dirty="0" err="1"/>
               <a:t>của</a:t>
             </a:r>
             <a:r>
-              <a:rPr lang="en-US" dirty="0" smtClean="0"/>
-              <a:t> </a:t>
-            </a:r>
-            <a:r>
-              <a:rPr lang="en-US" dirty="0" err="1" smtClean="0"/>
+              <a:rPr lang="en-US" dirty="0"/>
+              <a:t> </a:t>
+            </a:r>
+            <a:r>
+              <a:rPr lang="en-US" dirty="0" err="1"/>
               <a:t>một</a:t>
             </a:r>
             <a:r>
-              <a:rPr lang="en-US" dirty="0" smtClean="0"/>
-              <a:t> </a:t>
-            </a:r>
-            <a:r>
-              <a:rPr lang="en-US" dirty="0" err="1" smtClean="0"/>
+              <a:rPr lang="en-US" dirty="0"/>
+              <a:t> </a:t>
+            </a:r>
+            <a:r>
+              <a:rPr lang="en-US" dirty="0" err="1"/>
               <a:t>tháng</a:t>
             </a:r>
             <a:r>
-              <a:rPr lang="en-US" dirty="0" smtClean="0"/>
+              <a:rPr lang="en-US" dirty="0"/>
               <a:t> ở </a:t>
             </a:r>
             <a:r>
-              <a:rPr lang="en-US" dirty="0" err="1" smtClean="0"/>
+              <a:rPr lang="en-US" dirty="0" err="1"/>
               <a:t>năm</a:t>
             </a:r>
             <a:r>
-              <a:rPr lang="en-US" dirty="0" smtClean="0"/>
+              <a:rPr lang="en-US" dirty="0"/>
               <a:t> 2013</a:t>
             </a:r>
           </a:p>
           <a:p>
             <a:r>
-              <a:rPr lang="en-US" dirty="0" err="1" smtClean="0"/>
+              <a:rPr lang="en-US" dirty="0" err="1"/>
               <a:t>Api</a:t>
             </a:r>
             <a:r>
-              <a:rPr lang="en-US" dirty="0" smtClean="0"/>
-              <a:t> </a:t>
-            </a:r>
-            <a:r>
-              <a:rPr lang="en-US" dirty="0" err="1" smtClean="0"/>
+              <a:rPr lang="en-US" dirty="0"/>
+              <a:t> </a:t>
+            </a:r>
+            <a:r>
+              <a:rPr lang="en-US" dirty="0" err="1"/>
               <a:t>yêu</a:t>
             </a:r>
             <a:r>
-              <a:rPr lang="en-US" dirty="0" smtClean="0"/>
-              <a:t> </a:t>
-            </a:r>
-            <a:r>
-              <a:rPr lang="en-US" dirty="0" err="1" smtClean="0"/>
+              <a:rPr lang="en-US" dirty="0"/>
+              <a:t> </a:t>
+            </a:r>
+            <a:r>
+              <a:rPr lang="en-US" dirty="0" err="1"/>
               <a:t>cầu</a:t>
             </a:r>
             <a:r>
-              <a:rPr lang="en-US" dirty="0" smtClean="0"/>
+              <a:rPr lang="en-US" dirty="0"/>
               <a:t> date </a:t>
             </a:r>
             <a:r>
-              <a:rPr lang="en-US" dirty="0" err="1" smtClean="0"/>
+              <a:rPr lang="en-US" dirty="0" err="1"/>
               <a:t>và</a:t>
             </a:r>
             <a:r>
-              <a:rPr lang="en-US" dirty="0" smtClean="0"/>
-              <a:t> </a:t>
-            </a:r>
-            <a:r>
-              <a:rPr lang="en-US" dirty="0" err="1" smtClean="0"/>
+              <a:rPr lang="en-US" dirty="0"/>
+              <a:t> </a:t>
+            </a:r>
+            <a:r>
+              <a:rPr lang="en-US" dirty="0" err="1"/>
               <a:t>enddate</a:t>
             </a:r>
             <a:r>
-              <a:rPr lang="en-US" dirty="0" smtClean="0"/>
-              <a:t> </a:t>
-            </a:r>
-            <a:r>
-              <a:rPr lang="en-US" dirty="0" err="1" smtClean="0"/>
+              <a:rPr lang="en-US" dirty="0"/>
+              <a:t> </a:t>
+            </a:r>
+            <a:r>
+              <a:rPr lang="en-US" dirty="0" err="1"/>
               <a:t>phải</a:t>
             </a:r>
             <a:r>
-              <a:rPr lang="en-US" dirty="0" smtClean="0"/>
-              <a:t> </a:t>
-            </a:r>
-            <a:r>
-              <a:rPr lang="en-US" dirty="0" err="1" smtClean="0"/>
+              <a:rPr lang="en-US" dirty="0"/>
+              <a:t> </a:t>
+            </a:r>
+            <a:r>
+              <a:rPr lang="en-US" dirty="0" err="1"/>
               <a:t>có</a:t>
             </a:r>
             <a:r>
-              <a:rPr lang="en-US" dirty="0" smtClean="0"/>
-              <a:t> </a:t>
-            </a:r>
-            <a:r>
-              <a:rPr lang="en-US" dirty="0" err="1" smtClean="0"/>
+              <a:rPr lang="en-US" dirty="0"/>
+              <a:t> </a:t>
+            </a:r>
+            <a:r>
+              <a:rPr lang="en-US" dirty="0" err="1"/>
               <a:t>cùng</a:t>
             </a:r>
             <a:r>
-              <a:rPr lang="en-US" dirty="0" smtClean="0"/>
-              <a:t> </a:t>
-            </a:r>
-            <a:r>
-              <a:rPr lang="en-US" dirty="0" err="1" smtClean="0"/>
+              <a:rPr lang="en-US" dirty="0"/>
+              <a:t> </a:t>
+            </a:r>
+            <a:r>
+              <a:rPr lang="en-US" dirty="0" err="1"/>
               <a:t>tháng</a:t>
             </a:r>
             <a:r>
-              <a:rPr lang="en-US" dirty="0" smtClean="0"/>
-              <a:t> </a:t>
-            </a:r>
-            <a:r>
-              <a:rPr lang="en-US" dirty="0" err="1" smtClean="0"/>
+              <a:rPr lang="en-US" dirty="0"/>
+              <a:t> </a:t>
+            </a:r>
+            <a:r>
+              <a:rPr lang="en-US" dirty="0" err="1"/>
               <a:t>cùng</a:t>
             </a:r>
             <a:r>
-              <a:rPr lang="en-US" dirty="0" smtClean="0"/>
-              <a:t> </a:t>
-            </a:r>
-            <a:r>
-              <a:rPr lang="en-US" dirty="0" err="1" smtClean="0"/>
+              <a:rPr lang="en-US" dirty="0"/>
+              <a:t> </a:t>
+            </a:r>
+            <a:r>
+              <a:rPr lang="en-US" dirty="0" err="1"/>
               <a:t>năm</a:t>
             </a:r>
             <a:r>
-              <a:rPr lang="en-US" dirty="0" smtClean="0"/>
-              <a:t> </a:t>
-            </a:r>
-            <a:r>
-              <a:rPr lang="en-US" dirty="0" err="1" smtClean="0"/>
+              <a:rPr lang="en-US" dirty="0"/>
+              <a:t> </a:t>
+            </a:r>
+            <a:r>
+              <a:rPr lang="en-US" dirty="0" err="1"/>
               <a:t>nên</a:t>
             </a:r>
             <a:r>
-              <a:rPr lang="en-US" dirty="0" smtClean="0"/>
-              <a:t> </a:t>
-            </a:r>
-            <a:r>
-              <a:rPr lang="en-US" dirty="0" err="1" smtClean="0"/>
+              <a:rPr lang="en-US" dirty="0"/>
+              <a:t> </a:t>
+            </a:r>
+            <a:r>
+              <a:rPr lang="en-US" dirty="0" err="1"/>
               <a:t>muốn</a:t>
             </a:r>
             <a:r>
-              <a:rPr lang="en-US" dirty="0" smtClean="0"/>
-              <a:t> </a:t>
-            </a:r>
-            <a:r>
-              <a:rPr lang="en-US" dirty="0" err="1" smtClean="0"/>
+              <a:rPr lang="en-US" dirty="0"/>
+              <a:t> </a:t>
+            </a:r>
+            <a:r>
+              <a:rPr lang="en-US" dirty="0" err="1"/>
               <a:t>lấy</a:t>
             </a:r>
             <a:r>
-              <a:rPr lang="en-US" dirty="0" smtClean="0"/>
-              <a:t> </a:t>
-            </a:r>
-            <a:r>
-              <a:rPr lang="en-US" dirty="0" err="1" smtClean="0"/>
+              <a:rPr lang="en-US" dirty="0"/>
+              <a:t> </a:t>
+            </a:r>
+            <a:r>
+              <a:rPr lang="en-US" dirty="0" err="1"/>
               <a:t>dữ</a:t>
             </a:r>
             <a:r>
-              <a:rPr lang="en-US" dirty="0" smtClean="0"/>
-              <a:t> </a:t>
-            </a:r>
-            <a:r>
-              <a:rPr lang="en-US" dirty="0" err="1" smtClean="0"/>
+              <a:rPr lang="en-US" dirty="0"/>
+              <a:t> </a:t>
+            </a:r>
+            <a:r>
+              <a:rPr lang="en-US" dirty="0" err="1"/>
               <a:t>liệu</a:t>
             </a:r>
             <a:r>
-              <a:rPr lang="en-US" dirty="0" smtClean="0"/>
-              <a:t> </a:t>
-            </a:r>
-            <a:r>
-              <a:rPr lang="en-US" dirty="0" err="1" smtClean="0"/>
+              <a:rPr lang="en-US" dirty="0"/>
+              <a:t> </a:t>
+            </a:r>
+            <a:r>
+              <a:rPr lang="en-US" dirty="0" err="1"/>
               <a:t>của</a:t>
             </a:r>
             <a:r>
-              <a:rPr lang="en-US" dirty="0" smtClean="0"/>
+              <a:rPr lang="en-US" dirty="0"/>
               <a:t> 1 </a:t>
             </a:r>
             <a:r>
-              <a:rPr lang="en-US" dirty="0" err="1" smtClean="0"/>
+              <a:rPr lang="en-US" dirty="0" err="1"/>
               <a:t>năm</a:t>
             </a:r>
             <a:r>
-              <a:rPr lang="en-US" dirty="0" smtClean="0"/>
-              <a:t> </a:t>
-            </a:r>
-            <a:r>
-              <a:rPr lang="en-US" dirty="0" err="1" smtClean="0"/>
+              <a:rPr lang="en-US" dirty="0"/>
+              <a:t> </a:t>
+            </a:r>
+            <a:r>
+              <a:rPr lang="en-US" dirty="0" err="1"/>
               <a:t>thì</a:t>
             </a:r>
             <a:r>
-              <a:rPr lang="en-US" dirty="0" smtClean="0"/>
-              <a:t> </a:t>
-            </a:r>
-            <a:r>
-              <a:rPr lang="en-US" dirty="0" err="1" smtClean="0"/>
+              <a:rPr lang="en-US" dirty="0"/>
+              <a:t> </a:t>
+            </a:r>
+            <a:r>
+              <a:rPr lang="en-US" dirty="0" err="1"/>
               <a:t>phải</a:t>
             </a:r>
             <a:r>
-              <a:rPr lang="en-US" dirty="0" smtClean="0"/>
+              <a:rPr lang="en-US" dirty="0"/>
               <a:t> dung for loop </a:t>
             </a:r>
           </a:p>
@@ -4294,18 +4274,18 @@
             <a:endParaRPr lang="en-US" dirty="0"/>
           </a:p>
           <a:p>
-            <a:endParaRPr lang="en-US" dirty="0" smtClean="0"/>
-          </a:p>
-          <a:p>
             <a:endParaRPr lang="en-US" dirty="0"/>
           </a:p>
           <a:p>
-            <a:r>
-              <a:rPr lang="en-US" dirty="0" smtClean="0"/>
+            <a:endParaRPr lang="en-US" dirty="0"/>
+          </a:p>
+          <a:p>
+            <a:r>
+              <a:rPr lang="en-US" dirty="0"/>
               <a:t>http://api.worldweatheronline.com/premium/v1/past-weather.ashx?key=d1f163d12c3742b6a0742358210901&amp;q=</a:t>
             </a:r>
             <a:r>
-              <a:rPr lang="en-US" dirty="0" smtClean="0">
+              <a:rPr lang="en-US" dirty="0">
                 <a:solidFill>
                   <a:srgbClr val="FF0000"/>
                 </a:solidFill>
@@ -4313,7 +4293,7 @@
               <a:t>Ho Chi </a:t>
             </a:r>
             <a:r>
-              <a:rPr lang="en-US" dirty="0" err="1" smtClean="0">
+              <a:rPr lang="en-US" dirty="0" err="1">
                 <a:solidFill>
                   <a:srgbClr val="FF0000"/>
                 </a:solidFill>
@@ -4321,15 +4301,15 @@
               <a:t>Minh</a:t>
             </a:r>
             <a:r>
-              <a:rPr lang="en-US" dirty="0" err="1" smtClean="0"/>
+              <a:rPr lang="en-US" dirty="0" err="1"/>
               <a:t>&amp;format</a:t>
             </a:r>
             <a:r>
-              <a:rPr lang="en-US" dirty="0" smtClean="0"/>
+              <a:rPr lang="en-US" dirty="0"/>
               <a:t>=</a:t>
             </a:r>
             <a:r>
-              <a:rPr lang="en-US" dirty="0" err="1" smtClean="0">
+              <a:rPr lang="en-US" dirty="0" err="1">
                 <a:solidFill>
                   <a:srgbClr val="FF0000"/>
                 </a:solidFill>
@@ -4337,15 +4317,15 @@
               <a:t>json</a:t>
             </a:r>
             <a:r>
-              <a:rPr lang="en-US" dirty="0" err="1" smtClean="0"/>
+              <a:rPr lang="en-US" dirty="0" err="1"/>
               <a:t>&amp;date</a:t>
             </a:r>
             <a:r>
-              <a:rPr lang="en-US" dirty="0" smtClean="0"/>
+              <a:rPr lang="en-US" dirty="0"/>
               <a:t>=</a:t>
             </a:r>
             <a:r>
-              <a:rPr lang="en-US" dirty="0" smtClean="0">
+              <a:rPr lang="en-US" dirty="0">
                 <a:solidFill>
                   <a:srgbClr val="FF0000"/>
                 </a:solidFill>
@@ -4353,11 +4333,11 @@
               <a:t>2013-</a:t>
             </a:r>
             <a:r>
-              <a:rPr lang="en-US" dirty="0" smtClean="0"/>
+              <a:rPr lang="en-US" dirty="0"/>
               <a:t>{</a:t>
             </a:r>
             <a:r>
-              <a:rPr lang="en-US" dirty="0" err="1" smtClean="0">
+              <a:rPr lang="en-US" dirty="0" err="1">
                 <a:solidFill>
                   <a:srgbClr val="FF0000"/>
                 </a:solidFill>
@@ -4365,11 +4345,11 @@
               <a:t>tháng</a:t>
             </a:r>
             <a:r>
-              <a:rPr lang="en-US" dirty="0" smtClean="0"/>
+              <a:rPr lang="en-US" dirty="0"/>
               <a:t>}</a:t>
             </a:r>
             <a:r>
-              <a:rPr lang="en-US" dirty="0" smtClean="0">
+              <a:rPr lang="en-US" dirty="0">
                 <a:solidFill>
                   <a:srgbClr val="FF0000"/>
                 </a:solidFill>
@@ -4377,54 +4357,37 @@
               <a:t>-01</a:t>
             </a:r>
             <a:r>
-              <a:rPr lang="en-US" dirty="0" smtClean="0"/>
+              <a:rPr lang="en-US" dirty="0"/>
               <a:t>&amp;enddate=</a:t>
             </a:r>
             <a:r>
-              <a:rPr lang="en-US" dirty="0" smtClean="0">
+              <a:rPr lang="en-US" dirty="0">
                 <a:solidFill>
                   <a:srgbClr val="FF0000"/>
                 </a:solidFill>
               </a:rPr>
-              <a:t>2013-</a:t>
-            </a:r>
-            <a:r>
-              <a:rPr lang="en-US" dirty="0" smtClean="0">
+              <a:t>2013- {</a:t>
+            </a:r>
+            <a:r>
+              <a:rPr lang="en-US" dirty="0" err="1">
                 <a:solidFill>
                   <a:srgbClr val="FF0000"/>
                 </a:solidFill>
               </a:rPr>
-              <a:t> {</a:t>
-            </a:r>
-            <a:r>
-              <a:rPr lang="en-US" dirty="0" err="1" smtClean="0">
+              <a:t>tháng</a:t>
+            </a:r>
+            <a:r>
+              <a:rPr lang="en-US" dirty="0">
                 <a:solidFill>
                   <a:srgbClr val="FF0000"/>
                 </a:solidFill>
               </a:rPr>
-              <a:t>tháng</a:t>
-            </a:r>
-            <a:r>
-              <a:rPr lang="en-US" dirty="0" smtClean="0">
-                <a:solidFill>
-                  <a:srgbClr val="FF0000"/>
-                </a:solidFill>
-              </a:rPr>
-              <a:t>}- </a:t>
-            </a:r>
-            <a:r>
-              <a:rPr lang="en-US" dirty="0" smtClean="0">
-                <a:solidFill>
-                  <a:srgbClr val="FF0000"/>
-                </a:solidFill>
-              </a:rPr>
-              <a:t>28</a:t>
-            </a:r>
-            <a:r>
-              <a:rPr lang="en-US" dirty="0" smtClean="0"/>
+              <a:t>}- 28</a:t>
+            </a:r>
+            <a:r>
+              <a:rPr lang="en-US" dirty="0"/>
               <a:t>&amp;includelocation=yes</a:t>
             </a:r>
-            <a:endParaRPr lang="en-US" dirty="0"/>
           </a:p>
         </p:txBody>
       </p:sp>
@@ -4474,39 +4437,39 @@
           <a:lstStyle/>
           <a:p>
             <a:r>
-              <a:rPr lang="en-US" dirty="0" err="1" smtClean="0"/>
+              <a:rPr lang="en-US" dirty="0" err="1"/>
               <a:t>Cấu</a:t>
             </a:r>
             <a:r>
-              <a:rPr lang="en-US" dirty="0" smtClean="0"/>
-              <a:t> </a:t>
-            </a:r>
-            <a:r>
-              <a:rPr lang="en-US" dirty="0" err="1" smtClean="0"/>
+              <a:rPr lang="en-US" dirty="0"/>
+              <a:t> </a:t>
+            </a:r>
+            <a:r>
+              <a:rPr lang="en-US" dirty="0" err="1"/>
               <a:t>trúc</a:t>
             </a:r>
             <a:r>
-              <a:rPr lang="en-US" dirty="0" smtClean="0"/>
-              <a:t> </a:t>
-            </a:r>
-            <a:r>
-              <a:rPr lang="en-US" dirty="0" err="1" smtClean="0"/>
+              <a:rPr lang="en-US" dirty="0"/>
+              <a:t> </a:t>
+            </a:r>
+            <a:r>
+              <a:rPr lang="en-US" dirty="0" err="1"/>
               <a:t>của</a:t>
             </a:r>
             <a:r>
-              <a:rPr lang="en-US" dirty="0" smtClean="0"/>
+              <a:rPr lang="en-US" dirty="0"/>
               <a:t> file </a:t>
             </a:r>
             <a:r>
-              <a:rPr lang="en-US" dirty="0" err="1" smtClean="0"/>
+              <a:rPr lang="en-US" dirty="0" err="1"/>
               <a:t>json</a:t>
             </a:r>
             <a:r>
-              <a:rPr lang="en-US" dirty="0" smtClean="0"/>
-              <a:t> </a:t>
-            </a:r>
-            <a:r>
-              <a:rPr lang="en-US" dirty="0" err="1" smtClean="0"/>
+              <a:rPr lang="en-US" dirty="0"/>
+              <a:t> </a:t>
+            </a:r>
+            <a:r>
+              <a:rPr lang="en-US" dirty="0" err="1"/>
               <a:t>api</a:t>
             </a:r>
             <a:r>
@@ -4514,15 +4477,15 @@
               <a:t> </a:t>
             </a:r>
             <a:r>
-              <a:rPr lang="en-US" dirty="0" err="1" smtClean="0"/>
+              <a:rPr lang="en-US" dirty="0" err="1"/>
               <a:t>trả</a:t>
             </a:r>
             <a:r>
-              <a:rPr lang="en-US" dirty="0" smtClean="0"/>
-              <a:t> </a:t>
-            </a:r>
-            <a:r>
-              <a:rPr lang="en-US" dirty="0" err="1" smtClean="0"/>
+              <a:rPr lang="en-US" dirty="0"/>
+              <a:t> </a:t>
+            </a:r>
+            <a:r>
+              <a:rPr lang="en-US" dirty="0" err="1"/>
               <a:t>về</a:t>
             </a:r>
             <a:endParaRPr lang="en-US" dirty="0"/>
@@ -4604,119 +4567,119 @@
           <a:lstStyle/>
           <a:p>
             <a:r>
-              <a:rPr lang="en-US" dirty="0" err="1" smtClean="0"/>
+              <a:rPr lang="en-US" dirty="0" err="1"/>
               <a:t>Lựa</a:t>
             </a:r>
             <a:r>
-              <a:rPr lang="en-US" dirty="0" smtClean="0"/>
-              <a:t> </a:t>
-            </a:r>
-            <a:r>
-              <a:rPr lang="en-US" dirty="0" err="1" smtClean="0"/>
+              <a:rPr lang="en-US" dirty="0"/>
+              <a:t> </a:t>
+            </a:r>
+            <a:r>
+              <a:rPr lang="en-US" dirty="0" err="1"/>
               <a:t>chọn</a:t>
             </a:r>
             <a:r>
-              <a:rPr lang="en-US" dirty="0" smtClean="0"/>
-              <a:t> </a:t>
-            </a:r>
-            <a:r>
-              <a:rPr lang="en-US" dirty="0" err="1" smtClean="0"/>
+              <a:rPr lang="en-US" dirty="0"/>
+              <a:t> </a:t>
+            </a:r>
+            <a:r>
+              <a:rPr lang="en-US" dirty="0" err="1"/>
               <a:t>một</a:t>
             </a:r>
             <a:r>
-              <a:rPr lang="en-US" dirty="0" smtClean="0"/>
-              <a:t> </a:t>
-            </a:r>
-            <a:r>
-              <a:rPr lang="en-US" dirty="0" err="1" smtClean="0"/>
+              <a:rPr lang="en-US" dirty="0"/>
+              <a:t> </a:t>
+            </a:r>
+            <a:r>
+              <a:rPr lang="en-US" dirty="0" err="1"/>
               <a:t>số</a:t>
             </a:r>
             <a:r>
-              <a:rPr lang="en-US" dirty="0" smtClean="0"/>
-              <a:t> </a:t>
-            </a:r>
-            <a:r>
-              <a:rPr lang="en-US" dirty="0" err="1" smtClean="0"/>
+              <a:rPr lang="en-US" dirty="0"/>
+              <a:t> </a:t>
+            </a:r>
+            <a:r>
+              <a:rPr lang="en-US" dirty="0" err="1"/>
               <a:t>thuộc</a:t>
             </a:r>
             <a:r>
-              <a:rPr lang="en-US" dirty="0" smtClean="0"/>
-              <a:t> </a:t>
-            </a:r>
-            <a:r>
-              <a:rPr lang="en-US" dirty="0" err="1" smtClean="0"/>
+              <a:rPr lang="en-US" dirty="0"/>
+              <a:t> </a:t>
+            </a:r>
+            <a:r>
+              <a:rPr lang="en-US" dirty="0" err="1"/>
               <a:t>tính</a:t>
             </a:r>
             <a:r>
-              <a:rPr lang="en-US" dirty="0" smtClean="0"/>
-              <a:t> </a:t>
-            </a:r>
-            <a:r>
-              <a:rPr lang="en-US" dirty="0" err="1" smtClean="0"/>
+              <a:rPr lang="en-US" dirty="0"/>
+              <a:t> </a:t>
+            </a:r>
+            <a:r>
+              <a:rPr lang="en-US" dirty="0" err="1"/>
               <a:t>dựa</a:t>
             </a:r>
             <a:r>
-              <a:rPr lang="en-US" dirty="0" smtClean="0"/>
-              <a:t> </a:t>
-            </a:r>
-            <a:r>
-              <a:rPr lang="en-US" dirty="0" err="1" smtClean="0"/>
+              <a:rPr lang="en-US" dirty="0"/>
+              <a:t> </a:t>
+            </a:r>
+            <a:r>
+              <a:rPr lang="en-US" dirty="0" err="1"/>
               <a:t>trên</a:t>
             </a:r>
             <a:r>
-              <a:rPr lang="en-US" dirty="0" smtClean="0"/>
+              <a:rPr lang="en-US" dirty="0"/>
               <a:t> ý </a:t>
             </a:r>
             <a:r>
-              <a:rPr lang="en-US" dirty="0" err="1" smtClean="0"/>
+              <a:rPr lang="en-US" dirty="0" err="1"/>
               <a:t>nghĩa</a:t>
             </a:r>
             <a:r>
-              <a:rPr lang="en-US" dirty="0" smtClean="0"/>
-              <a:t> </a:t>
-            </a:r>
-            <a:r>
-              <a:rPr lang="en-US" dirty="0" err="1" smtClean="0"/>
+              <a:rPr lang="en-US" dirty="0"/>
+              <a:t> </a:t>
+            </a:r>
+            <a:r>
+              <a:rPr lang="en-US" dirty="0" err="1"/>
               <a:t>để</a:t>
             </a:r>
             <a:r>
-              <a:rPr lang="en-US" dirty="0" smtClean="0"/>
-              <a:t> </a:t>
-            </a:r>
-            <a:r>
-              <a:rPr lang="en-US" dirty="0" err="1" smtClean="0"/>
+              <a:rPr lang="en-US" dirty="0"/>
+              <a:t> </a:t>
+            </a:r>
+            <a:r>
+              <a:rPr lang="en-US" dirty="0" err="1"/>
               <a:t>đưa</a:t>
             </a:r>
             <a:r>
-              <a:rPr lang="en-US" dirty="0" smtClean="0"/>
-              <a:t> </a:t>
-            </a:r>
-            <a:r>
-              <a:rPr lang="en-US" dirty="0" err="1" smtClean="0"/>
+              <a:rPr lang="en-US" dirty="0"/>
+              <a:t> </a:t>
+            </a:r>
+            <a:r>
+              <a:rPr lang="en-US" dirty="0" err="1"/>
               <a:t>vào</a:t>
             </a:r>
             <a:r>
-              <a:rPr lang="en-US" dirty="0" smtClean="0"/>
-              <a:t> </a:t>
-            </a:r>
-            <a:r>
-              <a:rPr lang="en-US" dirty="0" err="1" smtClean="0"/>
+              <a:rPr lang="en-US" dirty="0"/>
+              <a:t> </a:t>
+            </a:r>
+            <a:r>
+              <a:rPr lang="en-US" dirty="0" err="1"/>
               <a:t>bảng</a:t>
             </a:r>
             <a:r>
-              <a:rPr lang="en-US" dirty="0" smtClean="0"/>
-              <a:t> </a:t>
-            </a:r>
-            <a:r>
-              <a:rPr lang="en-US" dirty="0" err="1" smtClean="0"/>
+              <a:rPr lang="en-US" dirty="0"/>
+              <a:t> </a:t>
+            </a:r>
+            <a:r>
+              <a:rPr lang="en-US" dirty="0" err="1"/>
               <a:t>dữ</a:t>
             </a:r>
             <a:r>
-              <a:rPr lang="en-US" dirty="0" smtClean="0"/>
-              <a:t> </a:t>
-            </a:r>
-            <a:r>
-              <a:rPr lang="en-US" dirty="0" err="1" smtClean="0"/>
+              <a:rPr lang="en-US" dirty="0"/>
+              <a:t> </a:t>
+            </a:r>
+            <a:r>
+              <a:rPr lang="en-US" dirty="0" err="1"/>
               <a:t>liệu</a:t>
             </a:r>
             <a:endParaRPr lang="en-US" dirty="0"/>
@@ -4739,67 +4702,67 @@
           <a:lstStyle/>
           <a:p>
             <a:r>
-              <a:rPr lang="en-US" dirty="0" err="1" smtClean="0"/>
+              <a:rPr lang="en-US" dirty="0" err="1"/>
               <a:t>Sau</a:t>
             </a:r>
             <a:r>
-              <a:rPr lang="en-US" dirty="0" smtClean="0"/>
-              <a:t> </a:t>
-            </a:r>
-            <a:r>
-              <a:rPr lang="en-US" dirty="0" err="1" smtClean="0"/>
+              <a:rPr lang="en-US" dirty="0"/>
+              <a:t> </a:t>
+            </a:r>
+            <a:r>
+              <a:rPr lang="en-US" dirty="0" err="1"/>
               <a:t>khi</a:t>
             </a:r>
             <a:r>
-              <a:rPr lang="en-US" dirty="0" smtClean="0"/>
-              <a:t> </a:t>
-            </a:r>
-            <a:r>
-              <a:rPr lang="en-US" dirty="0" err="1" smtClean="0"/>
+              <a:rPr lang="en-US" dirty="0"/>
+              <a:t> </a:t>
+            </a:r>
+            <a:r>
+              <a:rPr lang="en-US" dirty="0" err="1"/>
               <a:t>lược</a:t>
             </a:r>
             <a:r>
-              <a:rPr lang="en-US" dirty="0" smtClean="0"/>
-              <a:t> </a:t>
-            </a:r>
-            <a:r>
-              <a:rPr lang="en-US" dirty="0" err="1" smtClean="0"/>
+              <a:rPr lang="en-US" dirty="0"/>
+              <a:t> </a:t>
+            </a:r>
+            <a:r>
+              <a:rPr lang="en-US" dirty="0" err="1"/>
               <a:t>chọn</a:t>
             </a:r>
             <a:r>
-              <a:rPr lang="en-US" dirty="0" smtClean="0"/>
-              <a:t> </a:t>
-            </a:r>
-            <a:r>
-              <a:rPr lang="en-US" dirty="0" err="1" smtClean="0"/>
+              <a:rPr lang="en-US" dirty="0"/>
+              <a:t> </a:t>
+            </a:r>
+            <a:r>
+              <a:rPr lang="en-US" dirty="0" err="1"/>
               <a:t>thì</a:t>
             </a:r>
             <a:r>
-              <a:rPr lang="en-US" dirty="0" smtClean="0"/>
-              <a:t> </a:t>
-            </a:r>
-            <a:r>
-              <a:rPr lang="en-US" dirty="0" err="1" smtClean="0"/>
+              <a:rPr lang="en-US" dirty="0"/>
+              <a:t> </a:t>
+            </a:r>
+            <a:r>
+              <a:rPr lang="en-US" dirty="0" err="1"/>
               <a:t>chọn</a:t>
             </a:r>
             <a:r>
-              <a:rPr lang="en-US" dirty="0" smtClean="0"/>
-              <a:t> </a:t>
-            </a:r>
-            <a:r>
-              <a:rPr lang="en-US" dirty="0" err="1" smtClean="0"/>
+              <a:rPr lang="en-US" dirty="0"/>
+              <a:t> </a:t>
+            </a:r>
+            <a:r>
+              <a:rPr lang="en-US" dirty="0" err="1"/>
               <a:t>ra</a:t>
             </a:r>
             <a:r>
-              <a:rPr lang="en-US" dirty="0" smtClean="0"/>
-              <a:t> </a:t>
-            </a:r>
-            <a:r>
-              <a:rPr lang="en-US" dirty="0" err="1" smtClean="0"/>
+              <a:rPr lang="en-US" dirty="0"/>
+              <a:t> </a:t>
+            </a:r>
+            <a:r>
+              <a:rPr lang="en-US" dirty="0" err="1"/>
               <a:t>được</a:t>
             </a:r>
             <a:r>
-              <a:rPr lang="en-US" dirty="0" smtClean="0"/>
+              <a:rPr lang="en-US" dirty="0"/>
               <a:t>: </a:t>
             </a:r>
           </a:p>
@@ -4878,79 +4841,79 @@
           <a:lstStyle/>
           <a:p>
             <a:r>
-              <a:rPr lang="en-US" dirty="0" err="1" smtClean="0"/>
+              <a:rPr lang="en-US" dirty="0" err="1"/>
               <a:t>Tiến</a:t>
             </a:r>
             <a:r>
-              <a:rPr lang="en-US" dirty="0" smtClean="0"/>
-              <a:t> </a:t>
-            </a:r>
-            <a:r>
-              <a:rPr lang="en-US" dirty="0" err="1" smtClean="0"/>
+              <a:rPr lang="en-US" dirty="0"/>
+              <a:t> </a:t>
+            </a:r>
+            <a:r>
+              <a:rPr lang="en-US" dirty="0" err="1"/>
               <a:t>hành</a:t>
             </a:r>
             <a:r>
-              <a:rPr lang="en-US" dirty="0" smtClean="0"/>
-              <a:t> </a:t>
-            </a:r>
-            <a:r>
-              <a:rPr lang="en-US" dirty="0" err="1" smtClean="0"/>
+              <a:rPr lang="en-US" dirty="0"/>
+              <a:t> </a:t>
+            </a:r>
+            <a:r>
+              <a:rPr lang="en-US" dirty="0" err="1"/>
               <a:t>gán</a:t>
             </a:r>
             <a:r>
-              <a:rPr lang="en-US" dirty="0" smtClean="0"/>
-              <a:t> </a:t>
-            </a:r>
-            <a:r>
-              <a:rPr lang="en-US" dirty="0" err="1" smtClean="0"/>
+              <a:rPr lang="en-US" dirty="0"/>
+              <a:t> </a:t>
+            </a:r>
+            <a:r>
+              <a:rPr lang="en-US" dirty="0" err="1"/>
               <a:t>nhãn</a:t>
             </a:r>
             <a:r>
-              <a:rPr lang="en-US" dirty="0" smtClean="0"/>
-              <a:t> </a:t>
-            </a:r>
-            <a:r>
-              <a:rPr lang="en-US" dirty="0" err="1" smtClean="0"/>
+              <a:rPr lang="en-US" dirty="0"/>
+              <a:t> </a:t>
+            </a:r>
+            <a:r>
+              <a:rPr lang="en-US" dirty="0" err="1"/>
               <a:t>cho</a:t>
             </a:r>
             <a:r>
-              <a:rPr lang="en-US" dirty="0" smtClean="0"/>
-              <a:t> </a:t>
-            </a:r>
-            <a:r>
-              <a:rPr lang="en-US" dirty="0" err="1" smtClean="0"/>
+              <a:rPr lang="en-US" dirty="0"/>
+              <a:t> </a:t>
+            </a:r>
+            <a:r>
+              <a:rPr lang="en-US" dirty="0" err="1"/>
               <a:t>dữ</a:t>
             </a:r>
             <a:r>
-              <a:rPr lang="en-US" dirty="0" smtClean="0"/>
-              <a:t> </a:t>
-            </a:r>
-            <a:r>
-              <a:rPr lang="en-US" dirty="0" err="1" smtClean="0"/>
+              <a:rPr lang="en-US" dirty="0"/>
+              <a:t> </a:t>
+            </a:r>
+            <a:r>
+              <a:rPr lang="en-US" dirty="0" err="1"/>
               <a:t>liệu</a:t>
             </a:r>
             <a:r>
-              <a:rPr lang="en-US" dirty="0" smtClean="0"/>
-              <a:t> </a:t>
-            </a:r>
-            <a:r>
-              <a:rPr lang="en-US" dirty="0" err="1" smtClean="0"/>
+              <a:rPr lang="en-US" dirty="0"/>
+              <a:t> </a:t>
+            </a:r>
+            <a:r>
+              <a:rPr lang="en-US" dirty="0" err="1"/>
               <a:t>dựa</a:t>
             </a:r>
             <a:r>
-              <a:rPr lang="en-US" dirty="0" smtClean="0"/>
-              <a:t> </a:t>
-            </a:r>
-            <a:r>
-              <a:rPr lang="en-US" dirty="0" err="1" smtClean="0"/>
+              <a:rPr lang="en-US" dirty="0"/>
+              <a:t> </a:t>
+            </a:r>
+            <a:r>
+              <a:rPr lang="en-US" dirty="0" err="1"/>
               <a:t>vào</a:t>
             </a:r>
             <a:r>
-              <a:rPr lang="en-US" dirty="0" smtClean="0"/>
-              <a:t> </a:t>
-            </a:r>
-            <a:r>
-              <a:rPr lang="en-US" dirty="0" err="1" smtClean="0">
+              <a:rPr lang="en-US" dirty="0"/>
+              <a:t> </a:t>
+            </a:r>
+            <a:r>
+              <a:rPr lang="en-US" dirty="0" err="1">
                 <a:solidFill>
                   <a:srgbClr val="FF0000"/>
                 </a:solidFill>
@@ -4981,139 +4944,139 @@
           <a:lstStyle/>
           <a:p>
             <a:r>
-              <a:rPr lang="en-US" dirty="0" err="1" smtClean="0"/>
+              <a:rPr lang="en-US" dirty="0" err="1"/>
               <a:t>Từ</a:t>
             </a:r>
             <a:r>
-              <a:rPr lang="en-US" dirty="0" smtClean="0"/>
-              <a:t> </a:t>
-            </a:r>
-            <a:r>
-              <a:rPr lang="en-US" dirty="0" err="1" smtClean="0"/>
+              <a:rPr lang="en-US" dirty="0"/>
+              <a:t> </a:t>
+            </a:r>
+            <a:r>
+              <a:rPr lang="en-US" dirty="0" err="1"/>
               <a:t>những</a:t>
             </a:r>
             <a:r>
-              <a:rPr lang="en-US" dirty="0" smtClean="0"/>
-              <a:t> </a:t>
-            </a:r>
-            <a:r>
-              <a:rPr lang="en-US" dirty="0" err="1" smtClean="0"/>
+              <a:rPr lang="en-US" dirty="0"/>
+              <a:t> </a:t>
+            </a:r>
+            <a:r>
+              <a:rPr lang="en-US" dirty="0" err="1"/>
               <a:t>Weathercode</a:t>
             </a:r>
             <a:r>
-              <a:rPr lang="en-US" dirty="0" smtClean="0"/>
-              <a:t> </a:t>
-            </a:r>
-            <a:r>
-              <a:rPr lang="en-US" dirty="0" err="1" smtClean="0"/>
+              <a:rPr lang="en-US" dirty="0"/>
+              <a:t> </a:t>
+            </a:r>
+            <a:r>
+              <a:rPr lang="en-US" dirty="0" err="1"/>
               <a:t>có</a:t>
             </a:r>
             <a:r>
-              <a:rPr lang="en-US" dirty="0" smtClean="0"/>
-              <a:t> </a:t>
-            </a:r>
-            <a:r>
-              <a:rPr lang="en-US" dirty="0" err="1" smtClean="0"/>
+              <a:rPr lang="en-US" dirty="0"/>
+              <a:t> </a:t>
+            </a:r>
+            <a:r>
+              <a:rPr lang="en-US" dirty="0" err="1"/>
               <a:t>mưa</a:t>
             </a:r>
             <a:r>
-              <a:rPr lang="en-US" dirty="0" smtClean="0"/>
-              <a:t> </a:t>
-            </a:r>
-            <a:r>
-              <a:rPr lang="en-US" dirty="0" err="1" smtClean="0"/>
+              <a:rPr lang="en-US" dirty="0"/>
+              <a:t> </a:t>
+            </a:r>
+            <a:r>
+              <a:rPr lang="en-US" dirty="0" err="1"/>
               <a:t>trong</a:t>
             </a:r>
             <a:r>
-              <a:rPr lang="en-US" dirty="0" smtClean="0"/>
-              <a:t> </a:t>
-            </a:r>
-            <a:r>
-              <a:rPr lang="en-US" dirty="0" err="1" smtClean="0"/>
+              <a:rPr lang="en-US" dirty="0"/>
+              <a:t> </a:t>
+            </a:r>
+            <a:r>
+              <a:rPr lang="en-US" dirty="0" err="1"/>
               <a:t>api</a:t>
             </a:r>
             <a:r>
-              <a:rPr lang="en-US" dirty="0" smtClean="0"/>
+              <a:rPr lang="en-US" dirty="0"/>
               <a:t>, </a:t>
             </a:r>
             <a:r>
-              <a:rPr lang="en-US" dirty="0" err="1" smtClean="0"/>
+              <a:rPr lang="en-US" dirty="0" err="1"/>
               <a:t>gán</a:t>
             </a:r>
             <a:r>
-              <a:rPr lang="en-US" dirty="0" smtClean="0"/>
-              <a:t> </a:t>
-            </a:r>
-            <a:r>
-              <a:rPr lang="en-US" dirty="0" err="1" smtClean="0"/>
+              <a:rPr lang="en-US" dirty="0"/>
+              <a:t> </a:t>
+            </a:r>
+            <a:r>
+              <a:rPr lang="en-US" dirty="0" err="1"/>
               <a:t>dữ</a:t>
             </a:r>
             <a:r>
-              <a:rPr lang="en-US" dirty="0" smtClean="0"/>
-              <a:t> </a:t>
-            </a:r>
-            <a:r>
-              <a:rPr lang="en-US" dirty="0" err="1" smtClean="0"/>
+              <a:rPr lang="en-US" dirty="0"/>
+              <a:t> </a:t>
+            </a:r>
+            <a:r>
+              <a:rPr lang="en-US" dirty="0" err="1"/>
               <a:t>liệu</a:t>
             </a:r>
             <a:r>
-              <a:rPr lang="en-US" dirty="0" smtClean="0"/>
-              <a:t> </a:t>
-            </a:r>
-            <a:r>
-              <a:rPr lang="en-US" dirty="0" err="1" smtClean="0"/>
+              <a:rPr lang="en-US" dirty="0"/>
+              <a:t> </a:t>
+            </a:r>
+            <a:r>
+              <a:rPr lang="en-US" dirty="0" err="1"/>
               <a:t>ngày</a:t>
             </a:r>
             <a:r>
-              <a:rPr lang="en-US" dirty="0" smtClean="0"/>
-              <a:t> </a:t>
-            </a:r>
-            <a:r>
-              <a:rPr lang="en-US" dirty="0" err="1" smtClean="0"/>
+              <a:rPr lang="en-US" dirty="0"/>
+              <a:t> </a:t>
+            </a:r>
+            <a:r>
+              <a:rPr lang="en-US" dirty="0" err="1"/>
               <a:t>mưa</a:t>
             </a:r>
             <a:r>
-              <a:rPr lang="en-US" dirty="0" smtClean="0"/>
-              <a:t> </a:t>
-            </a:r>
-            <a:r>
-              <a:rPr lang="en-US" dirty="0" err="1" smtClean="0"/>
+              <a:rPr lang="en-US" dirty="0"/>
+              <a:t> </a:t>
+            </a:r>
+            <a:r>
+              <a:rPr lang="en-US" dirty="0" err="1"/>
               <a:t>cho</a:t>
             </a:r>
             <a:r>
-              <a:rPr lang="en-US" dirty="0" smtClean="0"/>
-              <a:t> </a:t>
-            </a:r>
-            <a:r>
-              <a:rPr lang="en-US" dirty="0" err="1" smtClean="0"/>
+              <a:rPr lang="en-US" dirty="0"/>
+              <a:t> </a:t>
+            </a:r>
+            <a:r>
+              <a:rPr lang="en-US" dirty="0" err="1"/>
               <a:t>từng</a:t>
             </a:r>
             <a:r>
-              <a:rPr lang="en-US" dirty="0" smtClean="0"/>
-              <a:t> </a:t>
-            </a:r>
-            <a:r>
-              <a:rPr lang="en-US" dirty="0" err="1" smtClean="0"/>
+              <a:rPr lang="en-US" dirty="0"/>
+              <a:t> </a:t>
+            </a:r>
+            <a:r>
+              <a:rPr lang="en-US" dirty="0" err="1"/>
               <a:t>dòng</a:t>
             </a:r>
             <a:r>
-              <a:rPr lang="en-US" dirty="0" smtClean="0"/>
-              <a:t> </a:t>
-            </a:r>
-            <a:r>
-              <a:rPr lang="en-US" dirty="0" err="1" smtClean="0"/>
+              <a:rPr lang="en-US" dirty="0"/>
+              <a:t> </a:t>
+            </a:r>
+            <a:r>
+              <a:rPr lang="en-US" dirty="0" err="1"/>
               <a:t>dữ</a:t>
             </a:r>
             <a:r>
-              <a:rPr lang="en-US" dirty="0" smtClean="0"/>
-              <a:t> </a:t>
-            </a:r>
-            <a:r>
-              <a:rPr lang="en-US" dirty="0" err="1" smtClean="0"/>
+              <a:rPr lang="en-US" dirty="0"/>
+              <a:t> </a:t>
+            </a:r>
+            <a:r>
+              <a:rPr lang="en-US" dirty="0" err="1"/>
               <a:t>liệu</a:t>
             </a:r>
             <a:r>
-              <a:rPr lang="en-US" dirty="0" smtClean="0"/>
+              <a:rPr lang="en-US" dirty="0"/>
               <a:t> </a:t>
             </a:r>
           </a:p>
@@ -5193,30 +5156,29 @@
           <a:p>
             <a:pPr algn="ctr"/>
             <a:r>
-              <a:rPr lang="en-US" dirty="0" err="1" smtClean="0"/>
+              <a:rPr lang="en-US" dirty="0" err="1"/>
               <a:t>Tiền</a:t>
             </a:r>
             <a:r>
-              <a:rPr lang="en-US" dirty="0" smtClean="0"/>
-              <a:t> </a:t>
-            </a:r>
-            <a:r>
-              <a:rPr lang="en-US" dirty="0" err="1" smtClean="0"/>
+              <a:rPr lang="en-US" dirty="0"/>
+              <a:t> </a:t>
+            </a:r>
+            <a:r>
+              <a:rPr lang="en-US" dirty="0" err="1"/>
               <a:t>Xử</a:t>
             </a:r>
             <a:r>
-              <a:rPr lang="en-US" dirty="0" smtClean="0"/>
-              <a:t> </a:t>
-            </a:r>
-            <a:r>
-              <a:rPr lang="en-US" dirty="0" err="1" smtClean="0"/>
+              <a:rPr lang="en-US" dirty="0"/>
+              <a:t> </a:t>
+            </a:r>
+            <a:r>
+              <a:rPr lang="en-US" dirty="0" err="1"/>
               <a:t>lý</a:t>
             </a:r>
             <a:r>
-              <a:rPr lang="en-US" dirty="0" smtClean="0"/>
-              <a:t> </a:t>
-            </a:r>
-            <a:endParaRPr lang="en-US" dirty="0"/>
+              <a:rPr lang="en-US" dirty="0"/>
+              <a:t> </a:t>
+            </a:r>
           </a:p>
         </p:txBody>
       </p:sp>
@@ -5235,7 +5197,796 @@
           <a:bodyPr/>
           <a:lstStyle/>
           <a:p>
-            <a:endParaRPr lang="en-US" dirty="0"/>
+            <a:r>
+              <a:rPr lang="en-US" dirty="0" err="1">
+                <a:latin typeface="Times New Roman" panose="02020603050405020304" pitchFamily="18" charset="0"/>
+                <a:cs typeface="Times New Roman" panose="02020603050405020304" pitchFamily="18" charset="0"/>
+              </a:rPr>
+              <a:t>Về</a:t>
+            </a:r>
+            <a:r>
+              <a:rPr lang="en-US" dirty="0">
+                <a:latin typeface="Times New Roman" panose="02020603050405020304" pitchFamily="18" charset="0"/>
+                <a:cs typeface="Times New Roman" panose="02020603050405020304" pitchFamily="18" charset="0"/>
+              </a:rPr>
+              <a:t> </a:t>
+            </a:r>
+            <a:r>
+              <a:rPr lang="en-US" dirty="0" err="1">
+                <a:latin typeface="Times New Roman" panose="02020603050405020304" pitchFamily="18" charset="0"/>
+                <a:cs typeface="Times New Roman" panose="02020603050405020304" pitchFamily="18" charset="0"/>
+              </a:rPr>
+              <a:t>mặt</a:t>
+            </a:r>
+            <a:r>
+              <a:rPr lang="en-US" dirty="0">
+                <a:latin typeface="Times New Roman" panose="02020603050405020304" pitchFamily="18" charset="0"/>
+                <a:cs typeface="Times New Roman" panose="02020603050405020304" pitchFamily="18" charset="0"/>
+              </a:rPr>
+              <a:t> </a:t>
+            </a:r>
+            <a:r>
+              <a:rPr lang="en-US" dirty="0" err="1">
+                <a:latin typeface="Times New Roman" panose="02020603050405020304" pitchFamily="18" charset="0"/>
+                <a:cs typeface="Times New Roman" panose="02020603050405020304" pitchFamily="18" charset="0"/>
+              </a:rPr>
+              <a:t>dữ</a:t>
+            </a:r>
+            <a:r>
+              <a:rPr lang="en-US" dirty="0">
+                <a:latin typeface="Times New Roman" panose="02020603050405020304" pitchFamily="18" charset="0"/>
+                <a:cs typeface="Times New Roman" panose="02020603050405020304" pitchFamily="18" charset="0"/>
+              </a:rPr>
+              <a:t> </a:t>
+            </a:r>
+            <a:r>
+              <a:rPr lang="en-US" dirty="0" err="1">
+                <a:latin typeface="Times New Roman" panose="02020603050405020304" pitchFamily="18" charset="0"/>
+                <a:cs typeface="Times New Roman" panose="02020603050405020304" pitchFamily="18" charset="0"/>
+              </a:rPr>
+              <a:t>liệu</a:t>
+            </a:r>
+            <a:r>
+              <a:rPr lang="en-US" dirty="0">
+                <a:latin typeface="Times New Roman" panose="02020603050405020304" pitchFamily="18" charset="0"/>
+                <a:cs typeface="Times New Roman" panose="02020603050405020304" pitchFamily="18" charset="0"/>
+              </a:rPr>
+              <a:t>: </a:t>
+            </a:r>
+            <a:r>
+              <a:rPr lang="en-US" dirty="0" err="1">
+                <a:latin typeface="Times New Roman" panose="02020603050405020304" pitchFamily="18" charset="0"/>
+                <a:cs typeface="Times New Roman" panose="02020603050405020304" pitchFamily="18" charset="0"/>
+              </a:rPr>
+              <a:t>Bộ</a:t>
+            </a:r>
+            <a:r>
+              <a:rPr lang="en-US" dirty="0">
+                <a:latin typeface="Times New Roman" panose="02020603050405020304" pitchFamily="18" charset="0"/>
+                <a:cs typeface="Times New Roman" panose="02020603050405020304" pitchFamily="18" charset="0"/>
+              </a:rPr>
+              <a:t> </a:t>
+            </a:r>
+            <a:r>
+              <a:rPr lang="en-US" dirty="0" err="1">
+                <a:latin typeface="Times New Roman" panose="02020603050405020304" pitchFamily="18" charset="0"/>
+                <a:cs typeface="Times New Roman" panose="02020603050405020304" pitchFamily="18" charset="0"/>
+              </a:rPr>
+              <a:t>dữ</a:t>
+            </a:r>
+            <a:r>
+              <a:rPr lang="en-US" dirty="0">
+                <a:latin typeface="Times New Roman" panose="02020603050405020304" pitchFamily="18" charset="0"/>
+                <a:cs typeface="Times New Roman" panose="02020603050405020304" pitchFamily="18" charset="0"/>
+              </a:rPr>
+              <a:t> </a:t>
+            </a:r>
+            <a:r>
+              <a:rPr lang="en-US" dirty="0" err="1">
+                <a:latin typeface="Times New Roman" panose="02020603050405020304" pitchFamily="18" charset="0"/>
+                <a:cs typeface="Times New Roman" panose="02020603050405020304" pitchFamily="18" charset="0"/>
+              </a:rPr>
+              <a:t>liệu</a:t>
+            </a:r>
+            <a:r>
+              <a:rPr lang="en-US" dirty="0">
+                <a:latin typeface="Times New Roman" panose="02020603050405020304" pitchFamily="18" charset="0"/>
+                <a:cs typeface="Times New Roman" panose="02020603050405020304" pitchFamily="18" charset="0"/>
+              </a:rPr>
+              <a:t> </a:t>
+            </a:r>
+            <a:r>
+              <a:rPr lang="en-US" dirty="0" err="1">
+                <a:latin typeface="Times New Roman" panose="02020603050405020304" pitchFamily="18" charset="0"/>
+                <a:cs typeface="Times New Roman" panose="02020603050405020304" pitchFamily="18" charset="0"/>
+              </a:rPr>
+              <a:t>thu</a:t>
+            </a:r>
+            <a:r>
+              <a:rPr lang="en-US" dirty="0">
+                <a:latin typeface="Times New Roman" panose="02020603050405020304" pitchFamily="18" charset="0"/>
+                <a:cs typeface="Times New Roman" panose="02020603050405020304" pitchFamily="18" charset="0"/>
+              </a:rPr>
+              <a:t> </a:t>
+            </a:r>
+            <a:r>
+              <a:rPr lang="en-US" dirty="0" err="1">
+                <a:latin typeface="Times New Roman" panose="02020603050405020304" pitchFamily="18" charset="0"/>
+                <a:cs typeface="Times New Roman" panose="02020603050405020304" pitchFamily="18" charset="0"/>
+              </a:rPr>
+              <a:t>thập</a:t>
+            </a:r>
+            <a:r>
+              <a:rPr lang="en-US" dirty="0">
+                <a:latin typeface="Times New Roman" panose="02020603050405020304" pitchFamily="18" charset="0"/>
+                <a:cs typeface="Times New Roman" panose="02020603050405020304" pitchFamily="18" charset="0"/>
+              </a:rPr>
+              <a:t> </a:t>
+            </a:r>
+            <a:r>
+              <a:rPr lang="en-US" dirty="0" err="1">
+                <a:latin typeface="Times New Roman" panose="02020603050405020304" pitchFamily="18" charset="0"/>
+                <a:cs typeface="Times New Roman" panose="02020603050405020304" pitchFamily="18" charset="0"/>
+              </a:rPr>
+              <a:t>được</a:t>
+            </a:r>
+            <a:r>
+              <a:rPr lang="en-US" dirty="0">
+                <a:latin typeface="Times New Roman" panose="02020603050405020304" pitchFamily="18" charset="0"/>
+                <a:cs typeface="Times New Roman" panose="02020603050405020304" pitchFamily="18" charset="0"/>
+              </a:rPr>
+              <a:t> </a:t>
+            </a:r>
+            <a:r>
+              <a:rPr lang="en-US" dirty="0" err="1">
+                <a:latin typeface="Times New Roman" panose="02020603050405020304" pitchFamily="18" charset="0"/>
+                <a:cs typeface="Times New Roman" panose="02020603050405020304" pitchFamily="18" charset="0"/>
+              </a:rPr>
+              <a:t>khá</a:t>
+            </a:r>
+            <a:r>
+              <a:rPr lang="en-US" dirty="0">
+                <a:latin typeface="Times New Roman" panose="02020603050405020304" pitchFamily="18" charset="0"/>
+                <a:cs typeface="Times New Roman" panose="02020603050405020304" pitchFamily="18" charset="0"/>
+              </a:rPr>
+              <a:t> </a:t>
+            </a:r>
+            <a:r>
+              <a:rPr lang="en-US" dirty="0" err="1">
+                <a:latin typeface="Times New Roman" panose="02020603050405020304" pitchFamily="18" charset="0"/>
+                <a:cs typeface="Times New Roman" panose="02020603050405020304" pitchFamily="18" charset="0"/>
+              </a:rPr>
+              <a:t>hoàn</a:t>
+            </a:r>
+            <a:r>
+              <a:rPr lang="en-US" dirty="0">
+                <a:latin typeface="Times New Roman" panose="02020603050405020304" pitchFamily="18" charset="0"/>
+                <a:cs typeface="Times New Roman" panose="02020603050405020304" pitchFamily="18" charset="0"/>
+              </a:rPr>
+              <a:t> </a:t>
+            </a:r>
+            <a:r>
+              <a:rPr lang="en-US" dirty="0" err="1">
+                <a:latin typeface="Times New Roman" panose="02020603050405020304" pitchFamily="18" charset="0"/>
+                <a:cs typeface="Times New Roman" panose="02020603050405020304" pitchFamily="18" charset="0"/>
+              </a:rPr>
+              <a:t>hảo</a:t>
+            </a:r>
+            <a:r>
+              <a:rPr lang="en-US" dirty="0">
+                <a:latin typeface="Times New Roman" panose="02020603050405020304" pitchFamily="18" charset="0"/>
+                <a:cs typeface="Times New Roman" panose="02020603050405020304" pitchFamily="18" charset="0"/>
+              </a:rPr>
+              <a:t>, </a:t>
+            </a:r>
+            <a:r>
+              <a:rPr lang="en-US" dirty="0" err="1">
+                <a:latin typeface="Times New Roman" panose="02020603050405020304" pitchFamily="18" charset="0"/>
+                <a:cs typeface="Times New Roman" panose="02020603050405020304" pitchFamily="18" charset="0"/>
+              </a:rPr>
+              <a:t>không</a:t>
+            </a:r>
+            <a:r>
+              <a:rPr lang="en-US" dirty="0">
+                <a:latin typeface="Times New Roman" panose="02020603050405020304" pitchFamily="18" charset="0"/>
+                <a:cs typeface="Times New Roman" panose="02020603050405020304" pitchFamily="18" charset="0"/>
+              </a:rPr>
+              <a:t> có giá trị </a:t>
+            </a:r>
+            <a:r>
+              <a:rPr lang="en-US" dirty="0" err="1">
+                <a:latin typeface="Times New Roman" panose="02020603050405020304" pitchFamily="18" charset="0"/>
+                <a:cs typeface="Times New Roman" panose="02020603050405020304" pitchFamily="18" charset="0"/>
+              </a:rPr>
+              <a:t>thiếu</a:t>
+            </a:r>
+            <a:r>
+              <a:rPr lang="en-US" dirty="0">
+                <a:latin typeface="Times New Roman" panose="02020603050405020304" pitchFamily="18" charset="0"/>
+                <a:cs typeface="Times New Roman" panose="02020603050405020304" pitchFamily="18" charset="0"/>
+              </a:rPr>
+              <a:t> </a:t>
+            </a:r>
+            <a:r>
+              <a:rPr lang="en-US" dirty="0" err="1">
+                <a:latin typeface="Times New Roman" panose="02020603050405020304" pitchFamily="18" charset="0"/>
+                <a:cs typeface="Times New Roman" panose="02020603050405020304" pitchFamily="18" charset="0"/>
+              </a:rPr>
+              <a:t>và</a:t>
+            </a:r>
+            <a:r>
+              <a:rPr lang="en-US" dirty="0">
+                <a:latin typeface="Times New Roman" panose="02020603050405020304" pitchFamily="18" charset="0"/>
+                <a:cs typeface="Times New Roman" panose="02020603050405020304" pitchFamily="18" charset="0"/>
+              </a:rPr>
+              <a:t> </a:t>
+            </a:r>
+            <a:r>
+              <a:rPr lang="en-US" dirty="0" err="1">
+                <a:latin typeface="Times New Roman" panose="02020603050405020304" pitchFamily="18" charset="0"/>
+                <a:cs typeface="Times New Roman" panose="02020603050405020304" pitchFamily="18" charset="0"/>
+              </a:rPr>
+              <a:t>hầu</a:t>
+            </a:r>
+            <a:r>
+              <a:rPr lang="en-US" dirty="0">
+                <a:latin typeface="Times New Roman" panose="02020603050405020304" pitchFamily="18" charset="0"/>
+                <a:cs typeface="Times New Roman" panose="02020603050405020304" pitchFamily="18" charset="0"/>
+              </a:rPr>
+              <a:t> </a:t>
+            </a:r>
+            <a:r>
+              <a:rPr lang="en-US" dirty="0" err="1">
+                <a:latin typeface="Times New Roman" panose="02020603050405020304" pitchFamily="18" charset="0"/>
+                <a:cs typeface="Times New Roman" panose="02020603050405020304" pitchFamily="18" charset="0"/>
+              </a:rPr>
+              <a:t>hết</a:t>
+            </a:r>
+            <a:r>
+              <a:rPr lang="en-US" dirty="0">
+                <a:latin typeface="Times New Roman" panose="02020603050405020304" pitchFamily="18" charset="0"/>
+                <a:cs typeface="Times New Roman" panose="02020603050405020304" pitchFamily="18" charset="0"/>
+              </a:rPr>
+              <a:t> có </a:t>
+            </a:r>
+            <a:r>
+              <a:rPr lang="en-US" dirty="0" err="1">
+                <a:latin typeface="Times New Roman" panose="02020603050405020304" pitchFamily="18" charset="0"/>
+                <a:cs typeface="Times New Roman" panose="02020603050405020304" pitchFamily="18" charset="0"/>
+              </a:rPr>
+              <a:t>thể</a:t>
+            </a:r>
+            <a:r>
+              <a:rPr lang="en-US" dirty="0">
+                <a:latin typeface="Times New Roman" panose="02020603050405020304" pitchFamily="18" charset="0"/>
+                <a:cs typeface="Times New Roman" panose="02020603050405020304" pitchFamily="18" charset="0"/>
+              </a:rPr>
+              <a:t> </a:t>
+            </a:r>
+            <a:r>
+              <a:rPr lang="en-US" dirty="0" err="1">
+                <a:latin typeface="Times New Roman" panose="02020603050405020304" pitchFamily="18" charset="0"/>
+                <a:cs typeface="Times New Roman" panose="02020603050405020304" pitchFamily="18" charset="0"/>
+              </a:rPr>
+              <a:t>chuyển</a:t>
+            </a:r>
+            <a:r>
+              <a:rPr lang="en-US" dirty="0">
+                <a:latin typeface="Times New Roman" panose="02020603050405020304" pitchFamily="18" charset="0"/>
+                <a:cs typeface="Times New Roman" panose="02020603050405020304" pitchFamily="18" charset="0"/>
+              </a:rPr>
+              <a:t> </a:t>
+            </a:r>
+            <a:r>
+              <a:rPr lang="en-US" dirty="0" err="1">
+                <a:latin typeface="Times New Roman" panose="02020603050405020304" pitchFamily="18" charset="0"/>
+                <a:cs typeface="Times New Roman" panose="02020603050405020304" pitchFamily="18" charset="0"/>
+              </a:rPr>
+              <a:t>thành</a:t>
+            </a:r>
+            <a:r>
+              <a:rPr lang="en-US" dirty="0">
+                <a:latin typeface="Times New Roman" panose="02020603050405020304" pitchFamily="18" charset="0"/>
+                <a:cs typeface="Times New Roman" panose="02020603050405020304" pitchFamily="18" charset="0"/>
+              </a:rPr>
+              <a:t> </a:t>
+            </a:r>
+            <a:r>
+              <a:rPr lang="en-US" dirty="0" err="1">
+                <a:latin typeface="Times New Roman" panose="02020603050405020304" pitchFamily="18" charset="0"/>
+                <a:cs typeface="Times New Roman" panose="02020603050405020304" pitchFamily="18" charset="0"/>
+              </a:rPr>
+              <a:t>dạng</a:t>
+            </a:r>
+            <a:r>
+              <a:rPr lang="en-US" dirty="0">
+                <a:latin typeface="Times New Roman" panose="02020603050405020304" pitchFamily="18" charset="0"/>
+                <a:cs typeface="Times New Roman" panose="02020603050405020304" pitchFamily="18" charset="0"/>
+              </a:rPr>
+              <a:t> </a:t>
+            </a:r>
+            <a:r>
+              <a:rPr lang="en-US" dirty="0" err="1">
+                <a:latin typeface="Times New Roman" panose="02020603050405020304" pitchFamily="18" charset="0"/>
+                <a:cs typeface="Times New Roman" panose="02020603050405020304" pitchFamily="18" charset="0"/>
+              </a:rPr>
+              <a:t>số</a:t>
+            </a:r>
+            <a:r>
+              <a:rPr lang="en-US" dirty="0">
+                <a:latin typeface="Times New Roman" panose="02020603050405020304" pitchFamily="18" charset="0"/>
+                <a:cs typeface="Times New Roman" panose="02020603050405020304" pitchFamily="18" charset="0"/>
+              </a:rPr>
+              <a:t> </a:t>
+            </a:r>
+            <a:r>
+              <a:rPr lang="en-US" dirty="0" err="1">
+                <a:latin typeface="Times New Roman" panose="02020603050405020304" pitchFamily="18" charset="0"/>
+                <a:cs typeface="Times New Roman" panose="02020603050405020304" pitchFamily="18" charset="0"/>
+              </a:rPr>
+              <a:t>nên</a:t>
+            </a:r>
+            <a:r>
+              <a:rPr lang="en-US" dirty="0">
+                <a:latin typeface="Times New Roman" panose="02020603050405020304" pitchFamily="18" charset="0"/>
+                <a:cs typeface="Times New Roman" panose="02020603050405020304" pitchFamily="18" charset="0"/>
+              </a:rPr>
+              <a:t> </a:t>
+            </a:r>
+            <a:r>
+              <a:rPr lang="en-US" dirty="0" err="1">
+                <a:latin typeface="Times New Roman" panose="02020603050405020304" pitchFamily="18" charset="0"/>
+                <a:cs typeface="Times New Roman" panose="02020603050405020304" pitchFamily="18" charset="0"/>
+              </a:rPr>
+              <a:t>chúng</a:t>
+            </a:r>
+            <a:r>
+              <a:rPr lang="en-US" dirty="0">
+                <a:latin typeface="Times New Roman" panose="02020603050405020304" pitchFamily="18" charset="0"/>
+                <a:cs typeface="Times New Roman" panose="02020603050405020304" pitchFamily="18" charset="0"/>
+              </a:rPr>
+              <a:t> ta </a:t>
+            </a:r>
+            <a:r>
+              <a:rPr lang="en-US" dirty="0" err="1">
+                <a:latin typeface="Times New Roman" panose="02020603050405020304" pitchFamily="18" charset="0"/>
+                <a:cs typeface="Times New Roman" panose="02020603050405020304" pitchFamily="18" charset="0"/>
+              </a:rPr>
+              <a:t>không</a:t>
+            </a:r>
+            <a:r>
+              <a:rPr lang="en-US" dirty="0">
+                <a:latin typeface="Times New Roman" panose="02020603050405020304" pitchFamily="18" charset="0"/>
+                <a:cs typeface="Times New Roman" panose="02020603050405020304" pitchFamily="18" charset="0"/>
+              </a:rPr>
+              <a:t> </a:t>
+            </a:r>
+            <a:r>
+              <a:rPr lang="en-US" dirty="0" err="1">
+                <a:latin typeface="Times New Roman" panose="02020603050405020304" pitchFamily="18" charset="0"/>
+                <a:cs typeface="Times New Roman" panose="02020603050405020304" pitchFamily="18" charset="0"/>
+              </a:rPr>
+              <a:t>cần</a:t>
+            </a:r>
+            <a:r>
+              <a:rPr lang="en-US" dirty="0">
+                <a:latin typeface="Times New Roman" panose="02020603050405020304" pitchFamily="18" charset="0"/>
+                <a:cs typeface="Times New Roman" panose="02020603050405020304" pitchFamily="18" charset="0"/>
+              </a:rPr>
+              <a:t> </a:t>
+            </a:r>
+            <a:r>
+              <a:rPr lang="en-US" dirty="0" err="1">
+                <a:latin typeface="Times New Roman" panose="02020603050405020304" pitchFamily="18" charset="0"/>
+                <a:cs typeface="Times New Roman" panose="02020603050405020304" pitchFamily="18" charset="0"/>
+              </a:rPr>
+              <a:t>thực</a:t>
+            </a:r>
+            <a:r>
+              <a:rPr lang="en-US" dirty="0">
+                <a:latin typeface="Times New Roman" panose="02020603050405020304" pitchFamily="18" charset="0"/>
+                <a:cs typeface="Times New Roman" panose="02020603050405020304" pitchFamily="18" charset="0"/>
+              </a:rPr>
+              <a:t> </a:t>
+            </a:r>
+            <a:r>
+              <a:rPr lang="en-US" dirty="0" err="1">
+                <a:latin typeface="Times New Roman" panose="02020603050405020304" pitchFamily="18" charset="0"/>
+                <a:cs typeface="Times New Roman" panose="02020603050405020304" pitchFamily="18" charset="0"/>
+              </a:rPr>
+              <a:t>hiện</a:t>
+            </a:r>
+            <a:r>
+              <a:rPr lang="en-US" dirty="0">
+                <a:latin typeface="Times New Roman" panose="02020603050405020304" pitchFamily="18" charset="0"/>
+                <a:cs typeface="Times New Roman" panose="02020603050405020304" pitchFamily="18" charset="0"/>
+              </a:rPr>
+              <a:t> </a:t>
+            </a:r>
+            <a:r>
+              <a:rPr lang="en-US" dirty="0" err="1">
+                <a:latin typeface="Times New Roman" panose="02020603050405020304" pitchFamily="18" charset="0"/>
+                <a:cs typeface="Times New Roman" panose="02020603050405020304" pitchFamily="18" charset="0"/>
+              </a:rPr>
+              <a:t>bước</a:t>
+            </a:r>
+            <a:r>
+              <a:rPr lang="en-US" dirty="0">
+                <a:latin typeface="Times New Roman" panose="02020603050405020304" pitchFamily="18" charset="0"/>
+                <a:cs typeface="Times New Roman" panose="02020603050405020304" pitchFamily="18" charset="0"/>
+              </a:rPr>
+              <a:t> </a:t>
+            </a:r>
+            <a:r>
+              <a:rPr lang="en-US" dirty="0" err="1">
+                <a:latin typeface="Times New Roman" panose="02020603050405020304" pitchFamily="18" charset="0"/>
+                <a:cs typeface="Times New Roman" panose="02020603050405020304" pitchFamily="18" charset="0"/>
+              </a:rPr>
+              <a:t>tiền</a:t>
+            </a:r>
+            <a:r>
+              <a:rPr lang="en-US" dirty="0">
+                <a:latin typeface="Times New Roman" panose="02020603050405020304" pitchFamily="18" charset="0"/>
+                <a:cs typeface="Times New Roman" panose="02020603050405020304" pitchFamily="18" charset="0"/>
+              </a:rPr>
+              <a:t> </a:t>
+            </a:r>
+            <a:r>
+              <a:rPr lang="en-US" dirty="0" err="1">
+                <a:latin typeface="Times New Roman" panose="02020603050405020304" pitchFamily="18" charset="0"/>
+                <a:cs typeface="Times New Roman" panose="02020603050405020304" pitchFamily="18" charset="0"/>
+              </a:rPr>
+              <a:t>xử</a:t>
+            </a:r>
+            <a:r>
+              <a:rPr lang="en-US" dirty="0">
+                <a:latin typeface="Times New Roman" panose="02020603050405020304" pitchFamily="18" charset="0"/>
+                <a:cs typeface="Times New Roman" panose="02020603050405020304" pitchFamily="18" charset="0"/>
+              </a:rPr>
+              <a:t> </a:t>
+            </a:r>
+            <a:r>
+              <a:rPr lang="en-US" dirty="0" err="1">
+                <a:latin typeface="Times New Roman" panose="02020603050405020304" pitchFamily="18" charset="0"/>
+                <a:cs typeface="Times New Roman" panose="02020603050405020304" pitchFamily="18" charset="0"/>
+              </a:rPr>
+              <a:t>lý</a:t>
+            </a:r>
+            <a:r>
+              <a:rPr lang="en-US" dirty="0">
+                <a:latin typeface="Times New Roman" panose="02020603050405020304" pitchFamily="18" charset="0"/>
+                <a:cs typeface="Times New Roman" panose="02020603050405020304" pitchFamily="18" charset="0"/>
+              </a:rPr>
+              <a:t> </a:t>
+            </a:r>
+            <a:r>
+              <a:rPr lang="en-US" dirty="0" err="1">
+                <a:latin typeface="Times New Roman" panose="02020603050405020304" pitchFamily="18" charset="0"/>
+                <a:cs typeface="Times New Roman" panose="02020603050405020304" pitchFamily="18" charset="0"/>
+              </a:rPr>
+              <a:t>trên</a:t>
+            </a:r>
+            <a:r>
+              <a:rPr lang="en-US" dirty="0">
+                <a:latin typeface="Times New Roman" panose="02020603050405020304" pitchFamily="18" charset="0"/>
+                <a:cs typeface="Times New Roman" panose="02020603050405020304" pitchFamily="18" charset="0"/>
+              </a:rPr>
+              <a:t> </a:t>
+            </a:r>
+            <a:r>
+              <a:rPr lang="en-US" dirty="0" err="1">
+                <a:latin typeface="Times New Roman" panose="02020603050405020304" pitchFamily="18" charset="0"/>
+                <a:cs typeface="Times New Roman" panose="02020603050405020304" pitchFamily="18" charset="0"/>
+              </a:rPr>
+              <a:t>từng</a:t>
+            </a:r>
+            <a:r>
+              <a:rPr lang="en-US" dirty="0">
+                <a:latin typeface="Times New Roman" panose="02020603050405020304" pitchFamily="18" charset="0"/>
+                <a:cs typeface="Times New Roman" panose="02020603050405020304" pitchFamily="18" charset="0"/>
+              </a:rPr>
+              <a:t> </a:t>
+            </a:r>
+            <a:r>
+              <a:rPr lang="en-US" dirty="0" err="1">
+                <a:latin typeface="Times New Roman" panose="02020603050405020304" pitchFamily="18" charset="0"/>
+                <a:cs typeface="Times New Roman" panose="02020603050405020304" pitchFamily="18" charset="0"/>
+              </a:rPr>
+              <a:t>cột</a:t>
+            </a:r>
+            <a:r>
+              <a:rPr lang="en-US" dirty="0">
+                <a:latin typeface="Times New Roman" panose="02020603050405020304" pitchFamily="18" charset="0"/>
+                <a:cs typeface="Times New Roman" panose="02020603050405020304" pitchFamily="18" charset="0"/>
+              </a:rPr>
+              <a:t>.</a:t>
+            </a:r>
+          </a:p>
+          <a:p>
+            <a:r>
+              <a:rPr lang="en-US" dirty="0" err="1">
+                <a:latin typeface="Times New Roman" panose="02020603050405020304" pitchFamily="18" charset="0"/>
+                <a:cs typeface="Times New Roman" panose="02020603050405020304" pitchFamily="18" charset="0"/>
+              </a:rPr>
+              <a:t>Cột</a:t>
+            </a:r>
+            <a:r>
+              <a:rPr lang="en-US" dirty="0">
+                <a:latin typeface="Times New Roman" panose="02020603050405020304" pitchFamily="18" charset="0"/>
+                <a:cs typeface="Times New Roman" panose="02020603050405020304" pitchFamily="18" charset="0"/>
+              </a:rPr>
+              <a:t> “</a:t>
+            </a:r>
+            <a:r>
+              <a:rPr lang="en-US" b="1" dirty="0">
+                <a:latin typeface="Times New Roman" panose="02020603050405020304" pitchFamily="18" charset="0"/>
+                <a:cs typeface="Times New Roman" panose="02020603050405020304" pitchFamily="18" charset="0"/>
+              </a:rPr>
+              <a:t>Date + Time</a:t>
+            </a:r>
+            <a:r>
+              <a:rPr lang="en-US" dirty="0">
+                <a:latin typeface="Times New Roman" panose="02020603050405020304" pitchFamily="18" charset="0"/>
+                <a:cs typeface="Times New Roman" panose="02020603050405020304" pitchFamily="18" charset="0"/>
+              </a:rPr>
+              <a:t>”: </a:t>
+            </a:r>
+            <a:r>
+              <a:rPr lang="en-US" dirty="0" err="1">
+                <a:latin typeface="Times New Roman" panose="02020603050405020304" pitchFamily="18" charset="0"/>
+                <a:cs typeface="Times New Roman" panose="02020603050405020304" pitchFamily="18" charset="0"/>
+              </a:rPr>
+              <a:t>Loại</a:t>
+            </a:r>
+            <a:r>
+              <a:rPr lang="en-US" dirty="0">
+                <a:latin typeface="Times New Roman" panose="02020603050405020304" pitchFamily="18" charset="0"/>
+                <a:cs typeface="Times New Roman" panose="02020603050405020304" pitchFamily="18" charset="0"/>
+              </a:rPr>
+              <a:t> </a:t>
+            </a:r>
+            <a:r>
+              <a:rPr lang="en-US" dirty="0" err="1">
+                <a:latin typeface="Times New Roman" panose="02020603050405020304" pitchFamily="18" charset="0"/>
+                <a:cs typeface="Times New Roman" panose="02020603050405020304" pitchFamily="18" charset="0"/>
+              </a:rPr>
+              <a:t>bỏ</a:t>
+            </a:r>
+            <a:endParaRPr lang="en-US" dirty="0">
+              <a:latin typeface="Times New Roman" panose="02020603050405020304" pitchFamily="18" charset="0"/>
+              <a:cs typeface="Times New Roman" panose="02020603050405020304" pitchFamily="18" charset="0"/>
+            </a:endParaRPr>
+          </a:p>
+          <a:p>
+            <a:r>
+              <a:rPr lang="en-US" dirty="0" err="1">
+                <a:latin typeface="Times New Roman" panose="02020603050405020304" pitchFamily="18" charset="0"/>
+                <a:cs typeface="Times New Roman" panose="02020603050405020304" pitchFamily="18" charset="0"/>
+              </a:rPr>
+              <a:t>Cột</a:t>
+            </a:r>
+            <a:r>
+              <a:rPr lang="en-US" dirty="0">
+                <a:latin typeface="Times New Roman" panose="02020603050405020304" pitchFamily="18" charset="0"/>
+                <a:cs typeface="Times New Roman" panose="02020603050405020304" pitchFamily="18" charset="0"/>
+              </a:rPr>
+              <a:t> “</a:t>
+            </a:r>
+            <a:r>
+              <a:rPr lang="en-US" b="1" i="0" dirty="0">
+                <a:solidFill>
+                  <a:srgbClr val="000000"/>
+                </a:solidFill>
+                <a:effectLst/>
+                <a:latin typeface="Times New Roman" panose="02020603050405020304" pitchFamily="18" charset="0"/>
+                <a:cs typeface="Times New Roman" panose="02020603050405020304" pitchFamily="18" charset="0"/>
+              </a:rPr>
+              <a:t>Windir16Point”: </a:t>
+            </a:r>
+            <a:r>
+              <a:rPr lang="en-US" i="0" dirty="0" err="1">
+                <a:solidFill>
+                  <a:srgbClr val="000000"/>
+                </a:solidFill>
+                <a:effectLst/>
+                <a:latin typeface="Times New Roman" panose="02020603050405020304" pitchFamily="18" charset="0"/>
+                <a:cs typeface="Times New Roman" panose="02020603050405020304" pitchFamily="18" charset="0"/>
+              </a:rPr>
+              <a:t>Sử</a:t>
+            </a:r>
+            <a:r>
+              <a:rPr lang="en-US" i="0" dirty="0">
+                <a:solidFill>
+                  <a:srgbClr val="000000"/>
+                </a:solidFill>
+                <a:effectLst/>
+                <a:latin typeface="Times New Roman" panose="02020603050405020304" pitchFamily="18" charset="0"/>
+                <a:cs typeface="Times New Roman" panose="02020603050405020304" pitchFamily="18" charset="0"/>
+              </a:rPr>
+              <a:t> </a:t>
+            </a:r>
+            <a:r>
+              <a:rPr lang="en-US" i="0" dirty="0" err="1">
+                <a:solidFill>
+                  <a:srgbClr val="000000"/>
+                </a:solidFill>
+                <a:effectLst/>
+                <a:latin typeface="Times New Roman" panose="02020603050405020304" pitchFamily="18" charset="0"/>
+                <a:cs typeface="Times New Roman" panose="02020603050405020304" pitchFamily="18" charset="0"/>
+              </a:rPr>
+              <a:t>dụng</a:t>
+            </a:r>
+            <a:r>
+              <a:rPr lang="en-US" i="0" dirty="0">
+                <a:solidFill>
+                  <a:srgbClr val="000000"/>
+                </a:solidFill>
+                <a:effectLst/>
+                <a:latin typeface="Times New Roman" panose="02020603050405020304" pitchFamily="18" charset="0"/>
+                <a:cs typeface="Times New Roman" panose="02020603050405020304" pitchFamily="18" charset="0"/>
+              </a:rPr>
+              <a:t> </a:t>
+            </a:r>
+            <a:r>
+              <a:rPr lang="en-US" i="0" dirty="0" err="1">
+                <a:solidFill>
+                  <a:srgbClr val="000000"/>
+                </a:solidFill>
+                <a:effectLst/>
+                <a:latin typeface="Times New Roman" panose="02020603050405020304" pitchFamily="18" charset="0"/>
+                <a:cs typeface="Times New Roman" panose="02020603050405020304" pitchFamily="18" charset="0"/>
+              </a:rPr>
+              <a:t>OneHotEncoder</a:t>
+            </a:r>
+            <a:r>
+              <a:rPr lang="en-US" i="0" dirty="0">
+                <a:solidFill>
+                  <a:srgbClr val="000000"/>
+                </a:solidFill>
+                <a:effectLst/>
+                <a:latin typeface="Times New Roman" panose="02020603050405020304" pitchFamily="18" charset="0"/>
+                <a:cs typeface="Times New Roman" panose="02020603050405020304" pitchFamily="18" charset="0"/>
+              </a:rPr>
+              <a:t> để </a:t>
+            </a:r>
+            <a:r>
+              <a:rPr lang="en-US" i="0" dirty="0" err="1">
+                <a:solidFill>
+                  <a:srgbClr val="000000"/>
+                </a:solidFill>
+                <a:effectLst/>
+                <a:latin typeface="Times New Roman" panose="02020603050405020304" pitchFamily="18" charset="0"/>
+                <a:cs typeface="Times New Roman" panose="02020603050405020304" pitchFamily="18" charset="0"/>
+              </a:rPr>
+              <a:t>mã</a:t>
+            </a:r>
+            <a:r>
+              <a:rPr lang="en-US" i="0" dirty="0">
+                <a:solidFill>
+                  <a:srgbClr val="000000"/>
+                </a:solidFill>
+                <a:effectLst/>
+                <a:latin typeface="Times New Roman" panose="02020603050405020304" pitchFamily="18" charset="0"/>
+                <a:cs typeface="Times New Roman" panose="02020603050405020304" pitchFamily="18" charset="0"/>
+              </a:rPr>
+              <a:t> </a:t>
+            </a:r>
+            <a:r>
+              <a:rPr lang="en-US" i="0" dirty="0" err="1">
+                <a:solidFill>
+                  <a:srgbClr val="000000"/>
+                </a:solidFill>
+                <a:effectLst/>
+                <a:latin typeface="Times New Roman" panose="02020603050405020304" pitchFamily="18" charset="0"/>
+                <a:cs typeface="Times New Roman" panose="02020603050405020304" pitchFamily="18" charset="0"/>
+              </a:rPr>
+              <a:t>hóa</a:t>
+            </a:r>
+            <a:r>
+              <a:rPr lang="en-US" i="0" dirty="0">
+                <a:solidFill>
+                  <a:srgbClr val="000000"/>
+                </a:solidFill>
+                <a:effectLst/>
+                <a:latin typeface="Times New Roman" panose="02020603050405020304" pitchFamily="18" charset="0"/>
+                <a:cs typeface="Times New Roman" panose="02020603050405020304" pitchFamily="18" charset="0"/>
+              </a:rPr>
+              <a:t> </a:t>
+            </a:r>
+            <a:r>
+              <a:rPr lang="en-US" i="0" dirty="0" err="1">
+                <a:solidFill>
+                  <a:srgbClr val="000000"/>
+                </a:solidFill>
+                <a:effectLst/>
+                <a:latin typeface="Times New Roman" panose="02020603050405020304" pitchFamily="18" charset="0"/>
+                <a:cs typeface="Times New Roman" panose="02020603050405020304" pitchFamily="18" charset="0"/>
+              </a:rPr>
+              <a:t>nó</a:t>
+            </a:r>
+            <a:r>
+              <a:rPr lang="en-US" i="0" dirty="0">
+                <a:solidFill>
+                  <a:srgbClr val="000000"/>
+                </a:solidFill>
+                <a:effectLst/>
+                <a:latin typeface="Times New Roman" panose="02020603050405020304" pitchFamily="18" charset="0"/>
+                <a:cs typeface="Times New Roman" panose="02020603050405020304" pitchFamily="18" charset="0"/>
+              </a:rPr>
+              <a:t> </a:t>
+            </a:r>
+            <a:r>
+              <a:rPr lang="en-US" i="0" dirty="0" err="1">
+                <a:solidFill>
+                  <a:srgbClr val="000000"/>
+                </a:solidFill>
+                <a:effectLst/>
+                <a:latin typeface="Times New Roman" panose="02020603050405020304" pitchFamily="18" charset="0"/>
+                <a:cs typeface="Times New Roman" panose="02020603050405020304" pitchFamily="18" charset="0"/>
+              </a:rPr>
+              <a:t>về</a:t>
+            </a:r>
+            <a:r>
+              <a:rPr lang="en-US" i="0" dirty="0">
+                <a:solidFill>
+                  <a:srgbClr val="000000"/>
+                </a:solidFill>
+                <a:effectLst/>
+                <a:latin typeface="Times New Roman" panose="02020603050405020304" pitchFamily="18" charset="0"/>
+                <a:cs typeface="Times New Roman" panose="02020603050405020304" pitchFamily="18" charset="0"/>
+              </a:rPr>
+              <a:t> </a:t>
+            </a:r>
+            <a:r>
+              <a:rPr lang="en-US" i="0" dirty="0" err="1">
+                <a:solidFill>
+                  <a:srgbClr val="000000"/>
+                </a:solidFill>
+                <a:effectLst/>
+                <a:latin typeface="Times New Roman" panose="02020603050405020304" pitchFamily="18" charset="0"/>
+                <a:cs typeface="Times New Roman" panose="02020603050405020304" pitchFamily="18" charset="0"/>
+              </a:rPr>
+              <a:t>dạng</a:t>
+            </a:r>
+            <a:r>
+              <a:rPr lang="en-US" i="0" dirty="0">
+                <a:solidFill>
+                  <a:srgbClr val="000000"/>
+                </a:solidFill>
+                <a:effectLst/>
+                <a:latin typeface="Times New Roman" panose="02020603050405020304" pitchFamily="18" charset="0"/>
+                <a:cs typeface="Times New Roman" panose="02020603050405020304" pitchFamily="18" charset="0"/>
+              </a:rPr>
+              <a:t> </a:t>
+            </a:r>
+            <a:r>
+              <a:rPr lang="en-US" i="0" dirty="0" err="1">
+                <a:solidFill>
+                  <a:srgbClr val="000000"/>
+                </a:solidFill>
+                <a:effectLst/>
+                <a:latin typeface="Times New Roman" panose="02020603050405020304" pitchFamily="18" charset="0"/>
+                <a:cs typeface="Times New Roman" panose="02020603050405020304" pitchFamily="18" charset="0"/>
+              </a:rPr>
+              <a:t>số</a:t>
+            </a:r>
+            <a:r>
+              <a:rPr lang="en-US" i="0" dirty="0">
+                <a:solidFill>
+                  <a:srgbClr val="000000"/>
+                </a:solidFill>
+                <a:effectLst/>
+                <a:latin typeface="Times New Roman" panose="02020603050405020304" pitchFamily="18" charset="0"/>
+                <a:cs typeface="Times New Roman" panose="02020603050405020304" pitchFamily="18" charset="0"/>
+              </a:rPr>
+              <a:t>.</a:t>
+            </a:r>
+          </a:p>
+          <a:p>
+            <a:endParaRPr lang="en-US" dirty="0">
+              <a:latin typeface="Times New Roman" panose="02020603050405020304" pitchFamily="18" charset="0"/>
+              <a:cs typeface="Times New Roman" panose="02020603050405020304" pitchFamily="18" charset="0"/>
+            </a:endParaRPr>
           </a:p>
         </p:txBody>
       </p:sp>
